--- a/Lection_10_Client-Server_Architecture.pptx
+++ b/Lection_10_Client-Server_Architecture.pptx
@@ -1,40 +1,40 @@
 
 <file path=ppt/presentation.xml><?xml version="1.0" encoding="utf-8"?>
-<p:presentation xmlns:a="http://schemas.openxmlformats.org/drawingml/2006/main" xmlns:r="http://schemas.openxmlformats.org/officeDocument/2006/relationships" xmlns:p="http://schemas.openxmlformats.org/presentationml/2006/main" saveSubsetFonts="1">
+<p:presentation xmlns:a="http://schemas.openxmlformats.org/drawingml/2006/main" xmlns:r="http://schemas.openxmlformats.org/officeDocument/2006/relationships" xmlns:p="http://schemas.openxmlformats.org/presentationml/2006/main">
   <p:sldMasterIdLst>
-    <p:sldMasterId id="2147483746" r:id="rId1"/>
+    <p:sldMasterId id="2147483648" r:id="rId1"/>
   </p:sldMasterIdLst>
   <p:notesMasterIdLst>
-    <p:notesMasterId r:id="rId20"/>
+    <p:notesMasterId r:id="rId21"/>
   </p:notesMasterIdLst>
   <p:handoutMasterIdLst>
-    <p:handoutMasterId r:id="rId21"/>
+    <p:handoutMasterId r:id="rId22"/>
   </p:handoutMasterIdLst>
   <p:sldIdLst>
-    <p:sldId id="257" r:id="rId2"/>
-    <p:sldId id="258" r:id="rId3"/>
-    <p:sldId id="259" r:id="rId4"/>
-    <p:sldId id="260" r:id="rId5"/>
-    <p:sldId id="263" r:id="rId6"/>
-    <p:sldId id="262" r:id="rId7"/>
-    <p:sldId id="264" r:id="rId8"/>
-    <p:sldId id="261" r:id="rId9"/>
-    <p:sldId id="266" r:id="rId10"/>
-    <p:sldId id="265" r:id="rId11"/>
-    <p:sldId id="267" r:id="rId12"/>
-    <p:sldId id="268" r:id="rId13"/>
-    <p:sldId id="271" r:id="rId14"/>
-    <p:sldId id="272" r:id="rId15"/>
-    <p:sldId id="273" r:id="rId16"/>
-    <p:sldId id="274" r:id="rId17"/>
-    <p:sldId id="276" r:id="rId18"/>
-    <p:sldId id="275" r:id="rId19"/>
+    <p:sldId id="257" r:id="rId3"/>
+    <p:sldId id="258" r:id="rId4"/>
+    <p:sldId id="259" r:id="rId5"/>
+    <p:sldId id="260" r:id="rId6"/>
+    <p:sldId id="263" r:id="rId7"/>
+    <p:sldId id="262" r:id="rId8"/>
+    <p:sldId id="264" r:id="rId9"/>
+    <p:sldId id="261" r:id="rId10"/>
+    <p:sldId id="266" r:id="rId11"/>
+    <p:sldId id="265" r:id="rId12"/>
+    <p:sldId id="267" r:id="rId13"/>
+    <p:sldId id="268" r:id="rId14"/>
+    <p:sldId id="271" r:id="rId15"/>
+    <p:sldId id="272" r:id="rId16"/>
+    <p:sldId id="273" r:id="rId17"/>
+    <p:sldId id="274" r:id="rId18"/>
+    <p:sldId id="276" r:id="rId19"/>
+    <p:sldId id="275" r:id="rId20"/>
   </p:sldIdLst>
   <p:sldSz cx="12192000" cy="6858000"/>
   <p:notesSz cx="6858000" cy="9144000"/>
   <p:defaultTextStyle>
     <a:defPPr rtl="0">
-      <a:defRPr lang="ru-ru"/>
+      <a:defRPr lang="en-US"/>
     </a:defPPr>
     <a:lvl1pPr marL="0" algn="l" defTabSz="914400" rtl="0" eaLnBrk="1" latinLnBrk="0" hangingPunct="1">
       <a:defRPr sz="1800" kern="1200">
@@ -127,14 +127,6 @@
       </a:defRPr>
     </a:lvl9pPr>
   </p:defaultTextStyle>
-  <p:extLst>
-    <p:ext uri="{EFAFB233-063F-42B5-8137-9DF3F51BA10A}">
-      <p15:sldGuideLst xmlns:p15="http://schemas.microsoft.com/office/powerpoint/2012/main"/>
-    </p:ext>
-    <p:ext uri="{2D200454-40CA-4A62-9FC3-DE9A4176ACB9}">
-      <p15:notesGuideLst xmlns:p15="http://schemas.microsoft.com/office/powerpoint/2012/main"/>
-    </p:ext>
-  </p:extLst>
 </p:presentation>
 </file>
 
@@ -222,7 +214,6 @@
             <a:pPr rtl="0"/>
             <a:fld id="{1E51D080-0FA4-452C-BE9C-57B885F95115}" type="datetime1">
               <a:rPr lang="ru-RU" smtClean="0"/>
-              <a:t>10.05.2022</a:t>
             </a:fld>
             <a:endParaRPr lang="en-US" dirty="0"/>
           </a:p>
@@ -290,18 +281,12 @@
             <a:pPr rtl="0"/>
             <a:fld id="{ED92CB86-0DB9-4A70-B1CF-B23508471F6B}" type="slidenum">
               <a:rPr lang="en-US" smtClean="0"/>
-              <a:t>‹#›</a:t>
             </a:fld>
             <a:endParaRPr lang="en-US"/>
           </a:p>
         </p:txBody>
       </p:sp>
     </p:spTree>
-    <p:extLst>
-      <p:ext uri="{BB962C8B-B14F-4D97-AF65-F5344CB8AC3E}">
-        <p14:creationId xmlns:p14="http://schemas.microsoft.com/office/powerpoint/2010/main" val="663557642"/>
-      </p:ext>
-    </p:extLst>
   </p:cSld>
   <p:clrMap bg1="lt1" tx1="dk1" bg2="lt2" tx2="dk2" accent1="accent1" accent2="accent2" accent3="accent3" accent4="accent4" accent5="accent5" accent6="accent6" hlink="hlink" folHlink="folHlink"/>
   <p:hf hdr="0" ftr="0"/>
@@ -392,7 +377,6 @@
             <a:pPr rtl="0"/>
             <a:fld id="{A68A2903-BD5A-4833-B0CA-AB5B8165171B}" type="datetime1">
               <a:rPr lang="ru-RU" smtClean="0"/>
-              <a:t>10.05.2022</a:t>
             </a:fld>
             <a:endParaRPr lang="en-US"/>
           </a:p>
@@ -457,7 +441,7 @@
           <a:p>
             <a:pPr lvl="0" rtl="0"/>
             <a:r>
-              <a:rPr lang="ru"/>
+              <a:rPr lang="en-US"/>
               <a:t>Щелкните, чтобы изменить стили текста образца слайда</a:t>
             </a:r>
             <a:endParaRPr lang="en-US"/>
@@ -465,28 +449,31 @@
           <a:p>
             <a:pPr lvl="1" rtl="0"/>
             <a:r>
-              <a:rPr lang="ru"/>
+              <a:rPr lang="en-US"/>
               <a:t>Второй уровень</a:t>
             </a:r>
+            <a:endParaRPr lang="en-US"/>
           </a:p>
           <a:p>
             <a:pPr lvl="2" rtl="0"/>
             <a:r>
-              <a:rPr lang="ru"/>
+              <a:rPr lang="en-US"/>
               <a:t>Третий уровень</a:t>
             </a:r>
+            <a:endParaRPr lang="en-US"/>
           </a:p>
           <a:p>
             <a:pPr lvl="3" rtl="0"/>
             <a:r>
-              <a:rPr lang="ru"/>
+              <a:rPr lang="en-US"/>
               <a:t>Четвертый уровень</a:t>
             </a:r>
+            <a:endParaRPr lang="en-US"/>
           </a:p>
           <a:p>
             <a:pPr lvl="4" rtl="0"/>
             <a:r>
-              <a:rPr lang="ru"/>
+              <a:rPr lang="en-US"/>
               <a:t>Пятый уровень</a:t>
             </a:r>
             <a:endParaRPr lang="en-US"/>
@@ -555,18 +542,12 @@
             <a:pPr rtl="0"/>
             <a:fld id="{9C2B151B-D7D1-48E5-8230-5AADBC794F88}" type="slidenum">
               <a:rPr lang="en-US" smtClean="0"/>
-              <a:t>‹#›</a:t>
             </a:fld>
             <a:endParaRPr lang="en-US"/>
           </a:p>
         </p:txBody>
       </p:sp>
     </p:spTree>
-    <p:extLst>
-      <p:ext uri="{BB962C8B-B14F-4D97-AF65-F5344CB8AC3E}">
-        <p14:creationId xmlns:p14="http://schemas.microsoft.com/office/powerpoint/2010/main" val="313859278"/>
-      </p:ext>
-    </p:extLst>
   </p:cSld>
   <p:clrMap bg1="lt1" tx1="dk1" bg2="lt2" tx2="dk2" accent1="accent1" accent2="accent2" accent3="accent3" accent4="accent4" accent5="accent5" accent6="accent6" hlink="hlink" folHlink="folHlink"/>
   <p:hf hdr="0" ftr="0"/>
@@ -666,7 +647,7 @@
 </file>
 
 <file path=ppt/slideLayouts/slideLayout1.xml><?xml version="1.0" encoding="utf-8"?>
-<p:sldLayout xmlns:a="http://schemas.openxmlformats.org/drawingml/2006/main" xmlns:r="http://schemas.openxmlformats.org/officeDocument/2006/relationships" xmlns:p="http://schemas.openxmlformats.org/presentationml/2006/main" showMasterSp="0" type="title" preserve="1">
+<p:sldLayout xmlns:a="http://schemas.openxmlformats.org/drawingml/2006/main" xmlns:r="http://schemas.openxmlformats.org/officeDocument/2006/relationships" xmlns:p="http://schemas.openxmlformats.org/presentationml/2006/main" type="title" preserve="1" showMasterSp="0">
   <p:cSld name="Титульный слайд">
     <p:spTree>
       <p:nvGrpSpPr>
@@ -684,13 +665,7 @@
       </p:grpSpPr>
       <p:sp>
         <p:nvSpPr>
-          <p:cNvPr id="10" name="Прямоугольник 9">
-            <a:extLst>
-              <a:ext uri="{FF2B5EF4-FFF2-40B4-BE49-F238E27FC236}">
-                <a16:creationId xmlns:a16="http://schemas.microsoft.com/office/drawing/2014/main" id="{39E3965E-AC41-4711-9D10-E25ABB132D86}"/>
-              </a:ext>
-            </a:extLst>
-          </p:cNvPr>
+          <p:cNvPr id="10" name="Прямоугольник 9"/>
           <p:cNvSpPr/>
           <p:nvPr/>
         </p:nvSpPr>
@@ -847,13 +822,7 @@
       </p:sp>
       <p:cxnSp>
         <p:nvCxnSpPr>
-          <p:cNvPr id="9" name="Прямая соединительная линия 8">
-            <a:extLst>
-              <a:ext uri="{FF2B5EF4-FFF2-40B4-BE49-F238E27FC236}">
-                <a16:creationId xmlns:a16="http://schemas.microsoft.com/office/drawing/2014/main" id="{1F5DC8C3-BA5F-4EED-BB9A-A14272BD82A1}"/>
-              </a:ext>
-            </a:extLst>
-          </p:cNvPr>
+          <p:cNvPr id="9" name="Прямая соединительная линия 8"/>
           <p:cNvCxnSpPr/>
           <p:nvPr/>
         </p:nvCxnSpPr>
@@ -891,13 +860,7 @@
       </p:cxnSp>
       <p:sp>
         <p:nvSpPr>
-          <p:cNvPr id="4" name="Дата 3">
-            <a:extLst>
-              <a:ext uri="{FF2B5EF4-FFF2-40B4-BE49-F238E27FC236}">
-                <a16:creationId xmlns:a16="http://schemas.microsoft.com/office/drawing/2014/main" id="{9925CCF1-92C0-4AF3-BFAF-4921631915AB}"/>
-              </a:ext>
-            </a:extLst>
-          </p:cNvPr>
+          <p:cNvPr id="4" name="Дата 3"/>
           <p:cNvSpPr>
             <a:spLocks noGrp="1"/>
           </p:cNvSpPr>
@@ -913,7 +876,6 @@
             <a:pPr rtl="0"/>
             <a:fld id="{8D4DAEB3-2211-4CA3-9D23-0143FCF3926F}" type="datetime1">
               <a:rPr lang="ru-RU" smtClean="0"/>
-              <a:t>10.05.2022</a:t>
             </a:fld>
             <a:endParaRPr lang="en-US" dirty="0"/>
           </a:p>
@@ -921,13 +883,7 @@
       </p:sp>
       <p:sp>
         <p:nvSpPr>
-          <p:cNvPr id="5" name="Нижний колонтитул 4">
-            <a:extLst>
-              <a:ext uri="{FF2B5EF4-FFF2-40B4-BE49-F238E27FC236}">
-                <a16:creationId xmlns:a16="http://schemas.microsoft.com/office/drawing/2014/main" id="{051A78A9-3DFF-4937-A9F2-5D8CF495F367}"/>
-              </a:ext>
-            </a:extLst>
-          </p:cNvPr>
+          <p:cNvPr id="5" name="Нижний колонтитул 4"/>
           <p:cNvSpPr>
             <a:spLocks noGrp="1"/>
           </p:cNvSpPr>
@@ -947,13 +903,7 @@
       </p:sp>
       <p:sp>
         <p:nvSpPr>
-          <p:cNvPr id="6" name="Номер слайда 5">
-            <a:extLst>
-              <a:ext uri="{FF2B5EF4-FFF2-40B4-BE49-F238E27FC236}">
-                <a16:creationId xmlns:a16="http://schemas.microsoft.com/office/drawing/2014/main" id="{5FAEB271-5CC0-4759-BC6E-8BE53AB227C0}"/>
-              </a:ext>
-            </a:extLst>
-          </p:cNvPr>
+          <p:cNvPr id="6" name="Номер слайда 5"/>
           <p:cNvSpPr>
             <a:spLocks noGrp="1"/>
           </p:cNvSpPr>
@@ -969,18 +919,12 @@
             <a:pPr rtl="0"/>
             <a:fld id="{3A98EE3D-8CD1-4C3F-BD1C-C98C9596463C}" type="slidenum">
               <a:rPr lang="en-US" smtClean="0"/>
-              <a:t>‹#›</a:t>
             </a:fld>
             <a:endParaRPr lang="en-US" dirty="0"/>
           </a:p>
         </p:txBody>
       </p:sp>
     </p:spTree>
-    <p:extLst>
-      <p:ext uri="{BB962C8B-B14F-4D97-AF65-F5344CB8AC3E}">
-        <p14:creationId xmlns:p14="http://schemas.microsoft.com/office/powerpoint/2010/main" val="4258331492"/>
-      </p:ext>
-    </p:extLst>
   </p:cSld>
   <p:clrMapOvr>
     <a:masterClrMapping/>
@@ -1049,6 +993,7 @@
               <a:rPr lang="ru-RU"/>
               <a:t>Образец текста</a:t>
             </a:r>
+            <a:endParaRPr lang="ru-RU"/>
           </a:p>
           <a:p>
             <a:pPr lvl="1" rtl="0"/>
@@ -1056,6 +1001,7 @@
               <a:rPr lang="ru-RU"/>
               <a:t>Второй уровень</a:t>
             </a:r>
+            <a:endParaRPr lang="ru-RU"/>
           </a:p>
           <a:p>
             <a:pPr lvl="2" rtl="0"/>
@@ -1063,6 +1009,7 @@
               <a:rPr lang="ru-RU"/>
               <a:t>Третий уровень</a:t>
             </a:r>
+            <a:endParaRPr lang="ru-RU"/>
           </a:p>
           <a:p>
             <a:pPr lvl="3" rtl="0"/>
@@ -1070,6 +1017,7 @@
               <a:rPr lang="ru-RU"/>
               <a:t>Четвертый уровень</a:t>
             </a:r>
+            <a:endParaRPr lang="ru-RU"/>
           </a:p>
           <a:p>
             <a:pPr lvl="4" rtl="0"/>
@@ -1083,13 +1031,7 @@
       </p:sp>
       <p:sp>
         <p:nvSpPr>
-          <p:cNvPr id="7" name="Дата 6">
-            <a:extLst>
-              <a:ext uri="{FF2B5EF4-FFF2-40B4-BE49-F238E27FC236}">
-                <a16:creationId xmlns:a16="http://schemas.microsoft.com/office/drawing/2014/main" id="{7D5506EE-1026-4F35-9ACC-BD05BE0F9B36}"/>
-              </a:ext>
-            </a:extLst>
-          </p:cNvPr>
+          <p:cNvPr id="7" name="Дата 6"/>
           <p:cNvSpPr>
             <a:spLocks noGrp="1"/>
           </p:cNvSpPr>
@@ -1105,7 +1047,6 @@
             <a:pPr rtl="0"/>
             <a:fld id="{A82E9B35-0826-45CC-9C2C-707B22DFAA83}" type="datetime1">
               <a:rPr lang="ru-RU" smtClean="0"/>
-              <a:t>10.05.2022</a:t>
             </a:fld>
             <a:endParaRPr lang="en-US" dirty="0"/>
           </a:p>
@@ -1113,13 +1054,7 @@
       </p:sp>
       <p:sp>
         <p:nvSpPr>
-          <p:cNvPr id="8" name="Нижний колонтитул 7">
-            <a:extLst>
-              <a:ext uri="{FF2B5EF4-FFF2-40B4-BE49-F238E27FC236}">
-                <a16:creationId xmlns:a16="http://schemas.microsoft.com/office/drawing/2014/main" id="{B7696E5F-8D95-4450-AE52-5438E6EDE2BF}"/>
-              </a:ext>
-            </a:extLst>
-          </p:cNvPr>
+          <p:cNvPr id="8" name="Нижний колонтитул 7"/>
           <p:cNvSpPr>
             <a:spLocks noGrp="1"/>
           </p:cNvSpPr>
@@ -1139,13 +1074,7 @@
       </p:sp>
       <p:sp>
         <p:nvSpPr>
-          <p:cNvPr id="9" name="Номер слайда 8">
-            <a:extLst>
-              <a:ext uri="{FF2B5EF4-FFF2-40B4-BE49-F238E27FC236}">
-                <a16:creationId xmlns:a16="http://schemas.microsoft.com/office/drawing/2014/main" id="{999B2253-74CC-409E-BEB0-F8EFCFCB5629}"/>
-              </a:ext>
-            </a:extLst>
-          </p:cNvPr>
+          <p:cNvPr id="9" name="Номер слайда 8"/>
           <p:cNvSpPr>
             <a:spLocks noGrp="1"/>
           </p:cNvSpPr>
@@ -1161,18 +1090,12 @@
             <a:pPr rtl="0"/>
             <a:fld id="{3A98EE3D-8CD1-4C3F-BD1C-C98C9596463C}" type="slidenum">
               <a:rPr lang="en-US" smtClean="0"/>
-              <a:t>‹#›</a:t>
             </a:fld>
             <a:endParaRPr lang="en-US" dirty="0"/>
           </a:p>
         </p:txBody>
       </p:sp>
     </p:spTree>
-    <p:extLst>
-      <p:ext uri="{BB962C8B-B14F-4D97-AF65-F5344CB8AC3E}">
-        <p14:creationId xmlns:p14="http://schemas.microsoft.com/office/powerpoint/2010/main" val="1672269861"/>
-      </p:ext>
-    </p:extLst>
   </p:cSld>
   <p:clrMapOvr>
     <a:masterClrMapping/>
@@ -1181,7 +1104,7 @@
 </file>
 
 <file path=ppt/slideLayouts/slideLayout11.xml><?xml version="1.0" encoding="utf-8"?>
-<p:sldLayout xmlns:a="http://schemas.openxmlformats.org/drawingml/2006/main" xmlns:r="http://schemas.openxmlformats.org/officeDocument/2006/relationships" xmlns:p="http://schemas.openxmlformats.org/presentationml/2006/main" showMasterSp="0" type="vertTitleAndTx" preserve="1">
+<p:sldLayout xmlns:a="http://schemas.openxmlformats.org/drawingml/2006/main" xmlns:r="http://schemas.openxmlformats.org/officeDocument/2006/relationships" xmlns:p="http://schemas.openxmlformats.org/presentationml/2006/main" type="vertTitleAndTx" preserve="1" showMasterSp="0">
   <p:cSld name="Вертикальный заголовок и текст">
     <p:spTree>
       <p:nvGrpSpPr>
@@ -1199,13 +1122,7 @@
       </p:grpSpPr>
       <p:sp>
         <p:nvSpPr>
-          <p:cNvPr id="9" name="Прямоугольник 8">
-            <a:extLst>
-              <a:ext uri="{FF2B5EF4-FFF2-40B4-BE49-F238E27FC236}">
-                <a16:creationId xmlns:a16="http://schemas.microsoft.com/office/drawing/2014/main" id="{E1B68A5B-D9FA-424B-A4EB-30E7223836B3}"/>
-              </a:ext>
-            </a:extLst>
-          </p:cNvPr>
+          <p:cNvPr id="9" name="Прямоугольник 8"/>
           <p:cNvSpPr/>
           <p:nvPr/>
         </p:nvSpPr>
@@ -1295,6 +1212,7 @@
               <a:rPr lang="ru-RU"/>
               <a:t>Образец текста</a:t>
             </a:r>
+            <a:endParaRPr lang="ru-RU"/>
           </a:p>
           <a:p>
             <a:pPr lvl="1" rtl="0"/>
@@ -1302,6 +1220,7 @@
               <a:rPr lang="ru-RU"/>
               <a:t>Второй уровень</a:t>
             </a:r>
+            <a:endParaRPr lang="ru-RU"/>
           </a:p>
           <a:p>
             <a:pPr lvl="2" rtl="0"/>
@@ -1309,6 +1228,7 @@
               <a:rPr lang="ru-RU"/>
               <a:t>Третий уровень</a:t>
             </a:r>
+            <a:endParaRPr lang="ru-RU"/>
           </a:p>
           <a:p>
             <a:pPr lvl="3" rtl="0"/>
@@ -1316,6 +1236,7 @@
               <a:rPr lang="ru-RU"/>
               <a:t>Четвертый уровень</a:t>
             </a:r>
+            <a:endParaRPr lang="ru-RU"/>
           </a:p>
           <a:p>
             <a:pPr lvl="4" rtl="0"/>
@@ -1329,13 +1250,7 @@
       </p:sp>
       <p:sp>
         <p:nvSpPr>
-          <p:cNvPr id="7" name="Дата 6">
-            <a:extLst>
-              <a:ext uri="{FF2B5EF4-FFF2-40B4-BE49-F238E27FC236}">
-                <a16:creationId xmlns:a16="http://schemas.microsoft.com/office/drawing/2014/main" id="{AF33D6B0-F070-45C4-A472-19F432BE3932}"/>
-              </a:ext>
-            </a:extLst>
-          </p:cNvPr>
+          <p:cNvPr id="7" name="Дата 6"/>
           <p:cNvSpPr>
             <a:spLocks noGrp="1"/>
           </p:cNvSpPr>
@@ -1351,7 +1266,6 @@
             <a:pPr rtl="0"/>
             <a:fld id="{74C0063D-EDF2-4190-A726-B9B651F864E7}" type="datetime1">
               <a:rPr lang="ru-RU" smtClean="0"/>
-              <a:t>10.05.2022</a:t>
             </a:fld>
             <a:endParaRPr lang="en-US" dirty="0"/>
           </a:p>
@@ -1359,13 +1273,7 @@
       </p:sp>
       <p:sp>
         <p:nvSpPr>
-          <p:cNvPr id="8" name="Нижний колонтитул 7">
-            <a:extLst>
-              <a:ext uri="{FF2B5EF4-FFF2-40B4-BE49-F238E27FC236}">
-                <a16:creationId xmlns:a16="http://schemas.microsoft.com/office/drawing/2014/main" id="{9975399F-DAB2-410D-967F-ED17E6F796E7}"/>
-              </a:ext>
-            </a:extLst>
-          </p:cNvPr>
+          <p:cNvPr id="8" name="Нижний колонтитул 7"/>
           <p:cNvSpPr>
             <a:spLocks noGrp="1"/>
           </p:cNvSpPr>
@@ -1385,13 +1293,7 @@
       </p:sp>
       <p:sp>
         <p:nvSpPr>
-          <p:cNvPr id="10" name="Номер слайда 9">
-            <a:extLst>
-              <a:ext uri="{FF2B5EF4-FFF2-40B4-BE49-F238E27FC236}">
-                <a16:creationId xmlns:a16="http://schemas.microsoft.com/office/drawing/2014/main" id="{F762A46F-6BE5-4D12-9412-5CA7672EA8EC}"/>
-              </a:ext>
-            </a:extLst>
-          </p:cNvPr>
+          <p:cNvPr id="10" name="Номер слайда 9"/>
           <p:cNvSpPr>
             <a:spLocks noGrp="1"/>
           </p:cNvSpPr>
@@ -1407,18 +1309,12 @@
             <a:pPr rtl="0"/>
             <a:fld id="{3A98EE3D-8CD1-4C3F-BD1C-C98C9596463C}" type="slidenum">
               <a:rPr lang="en-US" smtClean="0"/>
-              <a:t>‹#›</a:t>
             </a:fld>
             <a:endParaRPr lang="en-US" dirty="0"/>
           </a:p>
         </p:txBody>
       </p:sp>
     </p:spTree>
-    <p:extLst>
-      <p:ext uri="{BB962C8B-B14F-4D97-AF65-F5344CB8AC3E}">
-        <p14:creationId xmlns:p14="http://schemas.microsoft.com/office/powerpoint/2010/main" val="761827292"/>
-      </p:ext>
-    </p:extLst>
   </p:cSld>
   <p:clrMapOvr>
     <a:masterClrMapping/>
@@ -1487,6 +1383,7 @@
               <a:rPr lang="ru-RU"/>
               <a:t>Образец текста</a:t>
             </a:r>
+            <a:endParaRPr lang="ru-RU"/>
           </a:p>
           <a:p>
             <a:pPr lvl="1" rtl="0"/>
@@ -1494,6 +1391,7 @@
               <a:rPr lang="ru-RU"/>
               <a:t>Второй уровень</a:t>
             </a:r>
+            <a:endParaRPr lang="ru-RU"/>
           </a:p>
           <a:p>
             <a:pPr lvl="2" rtl="0"/>
@@ -1501,6 +1399,7 @@
               <a:rPr lang="ru-RU"/>
               <a:t>Третий уровень</a:t>
             </a:r>
+            <a:endParaRPr lang="ru-RU"/>
           </a:p>
           <a:p>
             <a:pPr lvl="3" rtl="0"/>
@@ -1508,6 +1407,7 @@
               <a:rPr lang="ru-RU"/>
               <a:t>Четвертый уровень</a:t>
             </a:r>
+            <a:endParaRPr lang="ru-RU"/>
           </a:p>
           <a:p>
             <a:pPr lvl="4" rtl="0"/>
@@ -1521,13 +1421,7 @@
       </p:sp>
       <p:sp>
         <p:nvSpPr>
-          <p:cNvPr id="7" name="Дата 6">
-            <a:extLst>
-              <a:ext uri="{FF2B5EF4-FFF2-40B4-BE49-F238E27FC236}">
-                <a16:creationId xmlns:a16="http://schemas.microsoft.com/office/drawing/2014/main" id="{354D8B55-9EA8-4B81-8E84-9B93B0A27559}"/>
-              </a:ext>
-            </a:extLst>
-          </p:cNvPr>
+          <p:cNvPr id="7" name="Дата 6"/>
           <p:cNvSpPr>
             <a:spLocks noGrp="1"/>
           </p:cNvSpPr>
@@ -1543,7 +1437,6 @@
             <a:pPr rtl="0"/>
             <a:fld id="{BE289488-0C23-4DC8-A9FA-240659547385}" type="datetime1">
               <a:rPr lang="ru-RU" smtClean="0"/>
-              <a:t>10.05.2022</a:t>
             </a:fld>
             <a:endParaRPr lang="en-US" dirty="0"/>
           </a:p>
@@ -1551,13 +1444,7 @@
       </p:sp>
       <p:sp>
         <p:nvSpPr>
-          <p:cNvPr id="8" name="Нижний колонтитул 7">
-            <a:extLst>
-              <a:ext uri="{FF2B5EF4-FFF2-40B4-BE49-F238E27FC236}">
-                <a16:creationId xmlns:a16="http://schemas.microsoft.com/office/drawing/2014/main" id="{062CA021-2578-47CB-822C-BDDFF7223B28}"/>
-              </a:ext>
-            </a:extLst>
-          </p:cNvPr>
+          <p:cNvPr id="8" name="Нижний колонтитул 7"/>
           <p:cNvSpPr>
             <a:spLocks noGrp="1"/>
           </p:cNvSpPr>
@@ -1577,13 +1464,7 @@
       </p:sp>
       <p:sp>
         <p:nvSpPr>
-          <p:cNvPr id="9" name="Номер слайда 8">
-            <a:extLst>
-              <a:ext uri="{FF2B5EF4-FFF2-40B4-BE49-F238E27FC236}">
-                <a16:creationId xmlns:a16="http://schemas.microsoft.com/office/drawing/2014/main" id="{C4AAB51D-4141-4682-9375-DAFD5FB9DD10}"/>
-              </a:ext>
-            </a:extLst>
-          </p:cNvPr>
+          <p:cNvPr id="9" name="Номер слайда 8"/>
           <p:cNvSpPr>
             <a:spLocks noGrp="1"/>
           </p:cNvSpPr>
@@ -1599,18 +1480,12 @@
             <a:pPr rtl="0"/>
             <a:fld id="{3A98EE3D-8CD1-4C3F-BD1C-C98C9596463C}" type="slidenum">
               <a:rPr lang="en-US" smtClean="0"/>
-              <a:t>‹#›</a:t>
             </a:fld>
             <a:endParaRPr lang="en-US" dirty="0"/>
           </a:p>
         </p:txBody>
       </p:sp>
     </p:spTree>
-    <p:extLst>
-      <p:ext uri="{BB962C8B-B14F-4D97-AF65-F5344CB8AC3E}">
-        <p14:creationId xmlns:p14="http://schemas.microsoft.com/office/powerpoint/2010/main" val="892670607"/>
-      </p:ext>
-    </p:extLst>
   </p:cSld>
   <p:clrMapOvr>
     <a:masterClrMapping/>
@@ -1619,7 +1494,7 @@
 </file>
 
 <file path=ppt/slideLayouts/slideLayout3.xml><?xml version="1.0" encoding="utf-8"?>
-<p:sldLayout xmlns:a="http://schemas.openxmlformats.org/drawingml/2006/main" xmlns:r="http://schemas.openxmlformats.org/officeDocument/2006/relationships" xmlns:p="http://schemas.openxmlformats.org/presentationml/2006/main" showMasterSp="0" type="secHead" preserve="1">
+<p:sldLayout xmlns:a="http://schemas.openxmlformats.org/drawingml/2006/main" xmlns:r="http://schemas.openxmlformats.org/officeDocument/2006/relationships" xmlns:p="http://schemas.openxmlformats.org/presentationml/2006/main" type="secHead" preserve="1" showMasterSp="0">
   <p:cSld name="Заголовок раздела">
     <p:bg>
       <p:bgPr>
@@ -1645,13 +1520,7 @@
       </p:grpSpPr>
       <p:sp>
         <p:nvSpPr>
-          <p:cNvPr id="10" name="Прямоугольник 9">
-            <a:extLst>
-              <a:ext uri="{FF2B5EF4-FFF2-40B4-BE49-F238E27FC236}">
-                <a16:creationId xmlns:a16="http://schemas.microsoft.com/office/drawing/2014/main" id="{A585C21A-8B93-4657-B5DF-7EAEAD3BE127}"/>
-              </a:ext>
-            </a:extLst>
-          </p:cNvPr>
+          <p:cNvPr id="10" name="Прямоугольник 9"/>
           <p:cNvSpPr/>
           <p:nvPr/>
         </p:nvSpPr>
@@ -1850,18 +1719,13 @@
               <a:rPr lang="ru-RU"/>
               <a:t>Образец текста</a:t>
             </a:r>
+            <a:endParaRPr lang="ru-RU"/>
           </a:p>
         </p:txBody>
       </p:sp>
       <p:cxnSp>
         <p:nvCxnSpPr>
-          <p:cNvPr id="9" name="Прямая соединительная линия 8">
-            <a:extLst>
-              <a:ext uri="{FF2B5EF4-FFF2-40B4-BE49-F238E27FC236}">
-                <a16:creationId xmlns:a16="http://schemas.microsoft.com/office/drawing/2014/main" id="{459DE2C1-4C52-40A3-8959-27B2C1BEBFF6}"/>
-              </a:ext>
-            </a:extLst>
-          </p:cNvPr>
+          <p:cNvPr id="9" name="Прямая соединительная линия 8"/>
           <p:cNvCxnSpPr/>
           <p:nvPr/>
         </p:nvCxnSpPr>
@@ -1899,13 +1763,7 @@
       </p:cxnSp>
       <p:sp>
         <p:nvSpPr>
-          <p:cNvPr id="7" name="Дата 6">
-            <a:extLst>
-              <a:ext uri="{FF2B5EF4-FFF2-40B4-BE49-F238E27FC236}">
-                <a16:creationId xmlns:a16="http://schemas.microsoft.com/office/drawing/2014/main" id="{AAF2E137-EC28-48F8-9198-1F02539029B6}"/>
-              </a:ext>
-            </a:extLst>
-          </p:cNvPr>
+          <p:cNvPr id="7" name="Дата 6"/>
           <p:cNvSpPr>
             <a:spLocks noGrp="1"/>
           </p:cNvSpPr>
@@ -1921,7 +1779,6 @@
             <a:pPr rtl="0"/>
             <a:fld id="{33EFA117-2261-4A1D-8BE7-0B7E6A1366C0}" type="datetime1">
               <a:rPr lang="ru-RU" smtClean="0"/>
-              <a:t>10.05.2022</a:t>
             </a:fld>
             <a:endParaRPr lang="en-US" dirty="0"/>
           </a:p>
@@ -1929,13 +1786,7 @@
       </p:sp>
       <p:sp>
         <p:nvSpPr>
-          <p:cNvPr id="8" name="Нижний колонтитул 7">
-            <a:extLst>
-              <a:ext uri="{FF2B5EF4-FFF2-40B4-BE49-F238E27FC236}">
-                <a16:creationId xmlns:a16="http://schemas.microsoft.com/office/drawing/2014/main" id="{189422CD-6F62-4DD6-89EF-07A60B42D219}"/>
-              </a:ext>
-            </a:extLst>
-          </p:cNvPr>
+          <p:cNvPr id="8" name="Нижний колонтитул 7"/>
           <p:cNvSpPr>
             <a:spLocks noGrp="1"/>
           </p:cNvSpPr>
@@ -1955,13 +1806,7 @@
       </p:sp>
       <p:sp>
         <p:nvSpPr>
-          <p:cNvPr id="11" name="Номер слайда 10">
-            <a:extLst>
-              <a:ext uri="{FF2B5EF4-FFF2-40B4-BE49-F238E27FC236}">
-                <a16:creationId xmlns:a16="http://schemas.microsoft.com/office/drawing/2014/main" id="{69C6AFF8-42B4-4D05-969B-9F5FB3355555}"/>
-              </a:ext>
-            </a:extLst>
-          </p:cNvPr>
+          <p:cNvPr id="11" name="Номер слайда 10"/>
           <p:cNvSpPr>
             <a:spLocks noGrp="1"/>
           </p:cNvSpPr>
@@ -1977,18 +1822,12 @@
             <a:pPr rtl="0"/>
             <a:fld id="{3A98EE3D-8CD1-4C3F-BD1C-C98C9596463C}" type="slidenum">
               <a:rPr lang="en-US" smtClean="0"/>
-              <a:t>‹#›</a:t>
             </a:fld>
             <a:endParaRPr lang="en-US" dirty="0"/>
           </a:p>
         </p:txBody>
       </p:sp>
     </p:spTree>
-    <p:extLst>
-      <p:ext uri="{BB962C8B-B14F-4D97-AF65-F5344CB8AC3E}">
-        <p14:creationId xmlns:p14="http://schemas.microsoft.com/office/powerpoint/2010/main" val="3304162564"/>
-      </p:ext>
-    </p:extLst>
   </p:cSld>
   <p:clrMapOvr>
     <a:masterClrMapping/>
@@ -2067,6 +1906,7 @@
               <a:rPr lang="ru-RU"/>
               <a:t>Образец текста</a:t>
             </a:r>
+            <a:endParaRPr lang="ru-RU"/>
           </a:p>
           <a:p>
             <a:pPr lvl="1" rtl="0"/>
@@ -2074,6 +1914,7 @@
               <a:rPr lang="ru-RU"/>
               <a:t>Второй уровень</a:t>
             </a:r>
+            <a:endParaRPr lang="ru-RU"/>
           </a:p>
           <a:p>
             <a:pPr lvl="2" rtl="0"/>
@@ -2081,6 +1922,7 @@
               <a:rPr lang="ru-RU"/>
               <a:t>Третий уровень</a:t>
             </a:r>
+            <a:endParaRPr lang="ru-RU"/>
           </a:p>
           <a:p>
             <a:pPr lvl="3" rtl="0"/>
@@ -2088,6 +1930,7 @@
               <a:rPr lang="ru-RU"/>
               <a:t>Четвертый уровень</a:t>
             </a:r>
+            <a:endParaRPr lang="ru-RU"/>
           </a:p>
           <a:p>
             <a:pPr lvl="4" rtl="0"/>
@@ -2124,6 +1967,7 @@
               <a:rPr lang="ru-RU"/>
               <a:t>Образец текста</a:t>
             </a:r>
+            <a:endParaRPr lang="ru-RU"/>
           </a:p>
           <a:p>
             <a:pPr lvl="1" rtl="0"/>
@@ -2131,6 +1975,7 @@
               <a:rPr lang="ru-RU"/>
               <a:t>Второй уровень</a:t>
             </a:r>
+            <a:endParaRPr lang="ru-RU"/>
           </a:p>
           <a:p>
             <a:pPr lvl="2" rtl="0"/>
@@ -2138,6 +1983,7 @@
               <a:rPr lang="ru-RU"/>
               <a:t>Третий уровень</a:t>
             </a:r>
+            <a:endParaRPr lang="ru-RU"/>
           </a:p>
           <a:p>
             <a:pPr lvl="3" rtl="0"/>
@@ -2145,6 +1991,7 @@
               <a:rPr lang="ru-RU"/>
               <a:t>Четвертый уровень</a:t>
             </a:r>
+            <a:endParaRPr lang="ru-RU"/>
           </a:p>
           <a:p>
             <a:pPr lvl="4" rtl="0"/>
@@ -2158,13 +2005,7 @@
       </p:sp>
       <p:sp>
         <p:nvSpPr>
-          <p:cNvPr id="2" name="Дата 1">
-            <a:extLst>
-              <a:ext uri="{FF2B5EF4-FFF2-40B4-BE49-F238E27FC236}">
-                <a16:creationId xmlns:a16="http://schemas.microsoft.com/office/drawing/2014/main" id="{5782D47D-B0DC-4C40-BCC6-BBBA32584A38}"/>
-              </a:ext>
-            </a:extLst>
-          </p:cNvPr>
+          <p:cNvPr id="2" name="Дата 1"/>
           <p:cNvSpPr>
             <a:spLocks noGrp="1"/>
           </p:cNvSpPr>
@@ -2180,7 +2021,6 @@
             <a:pPr rtl="0"/>
             <a:fld id="{659279E9-B6DA-4AB3-A7CE-B748E56BEA69}" type="datetime1">
               <a:rPr lang="ru-RU" smtClean="0"/>
-              <a:t>10.05.2022</a:t>
             </a:fld>
             <a:endParaRPr lang="en-US" dirty="0"/>
           </a:p>
@@ -2188,13 +2028,7 @@
       </p:sp>
       <p:sp>
         <p:nvSpPr>
-          <p:cNvPr id="9" name="Нижний колонтитул 8">
-            <a:extLst>
-              <a:ext uri="{FF2B5EF4-FFF2-40B4-BE49-F238E27FC236}">
-                <a16:creationId xmlns:a16="http://schemas.microsoft.com/office/drawing/2014/main" id="{4690D34E-7EBD-44B2-83CA-4C126A18D7EF}"/>
-              </a:ext>
-            </a:extLst>
-          </p:cNvPr>
+          <p:cNvPr id="9" name="Нижний колонтитул 8"/>
           <p:cNvSpPr>
             <a:spLocks noGrp="1"/>
           </p:cNvSpPr>
@@ -2214,13 +2048,7 @@
       </p:sp>
       <p:sp>
         <p:nvSpPr>
-          <p:cNvPr id="10" name="Номер слайда 9">
-            <a:extLst>
-              <a:ext uri="{FF2B5EF4-FFF2-40B4-BE49-F238E27FC236}">
-                <a16:creationId xmlns:a16="http://schemas.microsoft.com/office/drawing/2014/main" id="{2AC511A1-9BBD-42DE-92FB-2AF44F8E97A9}"/>
-              </a:ext>
-            </a:extLst>
-          </p:cNvPr>
+          <p:cNvPr id="10" name="Номер слайда 9"/>
           <p:cNvSpPr>
             <a:spLocks noGrp="1"/>
           </p:cNvSpPr>
@@ -2236,18 +2064,12 @@
             <a:pPr rtl="0"/>
             <a:fld id="{3A98EE3D-8CD1-4C3F-BD1C-C98C9596463C}" type="slidenum">
               <a:rPr lang="en-US" smtClean="0"/>
-              <a:t>‹#›</a:t>
             </a:fld>
             <a:endParaRPr lang="en-US" dirty="0"/>
           </a:p>
         </p:txBody>
       </p:sp>
     </p:spTree>
-    <p:extLst>
-      <p:ext uri="{BB962C8B-B14F-4D97-AF65-F5344CB8AC3E}">
-        <p14:creationId xmlns:p14="http://schemas.microsoft.com/office/powerpoint/2010/main" val="4256663047"/>
-      </p:ext>
-    </p:extLst>
   </p:cSld>
   <p:clrMapOvr>
     <a:masterClrMapping/>
@@ -2369,6 +2191,7 @@
               <a:rPr lang="ru-RU"/>
               <a:t>Образец текста</a:t>
             </a:r>
+            <a:endParaRPr lang="ru-RU"/>
           </a:p>
         </p:txBody>
       </p:sp>
@@ -2397,6 +2220,7 @@
               <a:rPr lang="ru-RU"/>
               <a:t>Образец текста</a:t>
             </a:r>
+            <a:endParaRPr lang="ru-RU"/>
           </a:p>
           <a:p>
             <a:pPr lvl="1" rtl="0"/>
@@ -2404,6 +2228,7 @@
               <a:rPr lang="ru-RU"/>
               <a:t>Второй уровень</a:t>
             </a:r>
+            <a:endParaRPr lang="ru-RU"/>
           </a:p>
           <a:p>
             <a:pPr lvl="2" rtl="0"/>
@@ -2411,6 +2236,7 @@
               <a:rPr lang="ru-RU"/>
               <a:t>Третий уровень</a:t>
             </a:r>
+            <a:endParaRPr lang="ru-RU"/>
           </a:p>
           <a:p>
             <a:pPr lvl="3" rtl="0"/>
@@ -2418,6 +2244,7 @@
               <a:rPr lang="ru-RU"/>
               <a:t>Четвертый уровень</a:t>
             </a:r>
+            <a:endParaRPr lang="ru-RU"/>
           </a:p>
           <a:p>
             <a:pPr lvl="4" rtl="0"/>
@@ -2497,6 +2324,7 @@
               <a:rPr lang="ru-RU"/>
               <a:t>Образец текста</a:t>
             </a:r>
+            <a:endParaRPr lang="ru-RU"/>
           </a:p>
         </p:txBody>
       </p:sp>
@@ -2525,6 +2353,7 @@
               <a:rPr lang="ru-RU"/>
               <a:t>Образец текста</a:t>
             </a:r>
+            <a:endParaRPr lang="ru-RU"/>
           </a:p>
           <a:p>
             <a:pPr lvl="1" rtl="0"/>
@@ -2532,6 +2361,7 @@
               <a:rPr lang="ru-RU"/>
               <a:t>Второй уровень</a:t>
             </a:r>
+            <a:endParaRPr lang="ru-RU"/>
           </a:p>
           <a:p>
             <a:pPr lvl="2" rtl="0"/>
@@ -2539,6 +2369,7 @@
               <a:rPr lang="ru-RU"/>
               <a:t>Третий уровень</a:t>
             </a:r>
+            <a:endParaRPr lang="ru-RU"/>
           </a:p>
           <a:p>
             <a:pPr lvl="3" rtl="0"/>
@@ -2546,6 +2377,7 @@
               <a:rPr lang="ru-RU"/>
               <a:t>Четвертый уровень</a:t>
             </a:r>
+            <a:endParaRPr lang="ru-RU"/>
           </a:p>
           <a:p>
             <a:pPr lvl="4" rtl="0"/>
@@ -2559,13 +2391,7 @@
       </p:sp>
       <p:sp>
         <p:nvSpPr>
-          <p:cNvPr id="2" name="Дата 1">
-            <a:extLst>
-              <a:ext uri="{FF2B5EF4-FFF2-40B4-BE49-F238E27FC236}">
-                <a16:creationId xmlns:a16="http://schemas.microsoft.com/office/drawing/2014/main" id="{8AF8A515-AA94-45D1-9223-5C2272618D85}"/>
-              </a:ext>
-            </a:extLst>
-          </p:cNvPr>
+          <p:cNvPr id="2" name="Дата 1"/>
           <p:cNvSpPr>
             <a:spLocks noGrp="1"/>
           </p:cNvSpPr>
@@ -2581,7 +2407,6 @@
             <a:pPr rtl="0"/>
             <a:fld id="{17CF7452-61A3-4CDC-ACAB-74E5B4A7EF57}" type="datetime1">
               <a:rPr lang="ru-RU" smtClean="0"/>
-              <a:t>10.05.2022</a:t>
             </a:fld>
             <a:endParaRPr lang="en-US" dirty="0"/>
           </a:p>
@@ -2589,13 +2414,7 @@
       </p:sp>
       <p:sp>
         <p:nvSpPr>
-          <p:cNvPr id="11" name="Нижний колонтитул 10">
-            <a:extLst>
-              <a:ext uri="{FF2B5EF4-FFF2-40B4-BE49-F238E27FC236}">
-                <a16:creationId xmlns:a16="http://schemas.microsoft.com/office/drawing/2014/main" id="{D052F5BC-98E0-4D60-AD67-9547738B7DD4}"/>
-              </a:ext>
-            </a:extLst>
-          </p:cNvPr>
+          <p:cNvPr id="11" name="Нижний колонтитул 10"/>
           <p:cNvSpPr>
             <a:spLocks noGrp="1"/>
           </p:cNvSpPr>
@@ -2615,13 +2434,7 @@
       </p:sp>
       <p:sp>
         <p:nvSpPr>
-          <p:cNvPr id="12" name="Номер слайда 11">
-            <a:extLst>
-              <a:ext uri="{FF2B5EF4-FFF2-40B4-BE49-F238E27FC236}">
-                <a16:creationId xmlns:a16="http://schemas.microsoft.com/office/drawing/2014/main" id="{A38552DC-952E-41EA-AAAF-C2187523C0B0}"/>
-              </a:ext>
-            </a:extLst>
-          </p:cNvPr>
+          <p:cNvPr id="12" name="Номер слайда 11"/>
           <p:cNvSpPr>
             <a:spLocks noGrp="1"/>
           </p:cNvSpPr>
@@ -2637,18 +2450,12 @@
             <a:pPr rtl="0"/>
             <a:fld id="{3A98EE3D-8CD1-4C3F-BD1C-C98C9596463C}" type="slidenum">
               <a:rPr lang="en-US" smtClean="0"/>
-              <a:t>‹#›</a:t>
             </a:fld>
             <a:endParaRPr lang="en-US" dirty="0"/>
           </a:p>
         </p:txBody>
       </p:sp>
     </p:spTree>
-    <p:extLst>
-      <p:ext uri="{BB962C8B-B14F-4D97-AF65-F5344CB8AC3E}">
-        <p14:creationId xmlns:p14="http://schemas.microsoft.com/office/powerpoint/2010/main" val="3068194699"/>
-      </p:ext>
-    </p:extLst>
   </p:cSld>
   <p:clrMapOvr>
     <a:masterClrMapping/>
@@ -2699,13 +2506,7 @@
       </p:sp>
       <p:sp>
         <p:nvSpPr>
-          <p:cNvPr id="6" name="Дата 5">
-            <a:extLst>
-              <a:ext uri="{FF2B5EF4-FFF2-40B4-BE49-F238E27FC236}">
-                <a16:creationId xmlns:a16="http://schemas.microsoft.com/office/drawing/2014/main" id="{7392073F-158F-44A3-8913-917AFFC1BC20}"/>
-              </a:ext>
-            </a:extLst>
-          </p:cNvPr>
+          <p:cNvPr id="6" name="Дата 5"/>
           <p:cNvSpPr>
             <a:spLocks noGrp="1"/>
           </p:cNvSpPr>
@@ -2721,7 +2522,6 @@
             <a:pPr rtl="0"/>
             <a:fld id="{E4D00952-BE77-47A2-BE29-2226E2D6BB12}" type="datetime1">
               <a:rPr lang="ru-RU" smtClean="0"/>
-              <a:t>10.05.2022</a:t>
             </a:fld>
             <a:endParaRPr lang="en-US" dirty="0"/>
           </a:p>
@@ -2729,13 +2529,7 @@
       </p:sp>
       <p:sp>
         <p:nvSpPr>
-          <p:cNvPr id="7" name="Нижний колонтитул 6">
-            <a:extLst>
-              <a:ext uri="{FF2B5EF4-FFF2-40B4-BE49-F238E27FC236}">
-                <a16:creationId xmlns:a16="http://schemas.microsoft.com/office/drawing/2014/main" id="{EED72207-24CA-42B7-A975-2F8E41CBA904}"/>
-              </a:ext>
-            </a:extLst>
-          </p:cNvPr>
+          <p:cNvPr id="7" name="Нижний колонтитул 6"/>
           <p:cNvSpPr>
             <a:spLocks noGrp="1"/>
           </p:cNvSpPr>
@@ -2755,13 +2549,7 @@
       </p:sp>
       <p:sp>
         <p:nvSpPr>
-          <p:cNvPr id="8" name="Номер слайда 7">
-            <a:extLst>
-              <a:ext uri="{FF2B5EF4-FFF2-40B4-BE49-F238E27FC236}">
-                <a16:creationId xmlns:a16="http://schemas.microsoft.com/office/drawing/2014/main" id="{D01080F2-251A-4B88-9A62-16F46D724F83}"/>
-              </a:ext>
-            </a:extLst>
-          </p:cNvPr>
+          <p:cNvPr id="8" name="Номер слайда 7"/>
           <p:cNvSpPr>
             <a:spLocks noGrp="1"/>
           </p:cNvSpPr>
@@ -2777,18 +2565,12 @@
             <a:pPr rtl="0"/>
             <a:fld id="{3A98EE3D-8CD1-4C3F-BD1C-C98C9596463C}" type="slidenum">
               <a:rPr lang="en-US" smtClean="0"/>
-              <a:t>‹#›</a:t>
             </a:fld>
             <a:endParaRPr lang="en-US" dirty="0"/>
           </a:p>
         </p:txBody>
       </p:sp>
     </p:spTree>
-    <p:extLst>
-      <p:ext uri="{BB962C8B-B14F-4D97-AF65-F5344CB8AC3E}">
-        <p14:creationId xmlns:p14="http://schemas.microsoft.com/office/powerpoint/2010/main" val="811860513"/>
-      </p:ext>
-    </p:extLst>
   </p:cSld>
   <p:clrMapOvr>
     <a:masterClrMapping/>
@@ -2797,7 +2579,7 @@
 </file>
 
 <file path=ppt/slideLayouts/slideLayout7.xml><?xml version="1.0" encoding="utf-8"?>
-<p:sldLayout xmlns:a="http://schemas.openxmlformats.org/drawingml/2006/main" xmlns:r="http://schemas.openxmlformats.org/officeDocument/2006/relationships" xmlns:p="http://schemas.openxmlformats.org/presentationml/2006/main" showMasterSp="0" type="blank" preserve="1">
+<p:sldLayout xmlns:a="http://schemas.openxmlformats.org/drawingml/2006/main" xmlns:r="http://schemas.openxmlformats.org/officeDocument/2006/relationships" xmlns:p="http://schemas.openxmlformats.org/presentationml/2006/main" type="blank" preserve="1" showMasterSp="0">
   <p:cSld name="Пустой слайд">
     <p:spTree>
       <p:nvGrpSpPr>
@@ -2815,13 +2597,7 @@
       </p:grpSpPr>
       <p:sp>
         <p:nvSpPr>
-          <p:cNvPr id="10" name="Прямоугольник 9">
-            <a:extLst>
-              <a:ext uri="{FF2B5EF4-FFF2-40B4-BE49-F238E27FC236}">
-                <a16:creationId xmlns:a16="http://schemas.microsoft.com/office/drawing/2014/main" id="{A8E9C91B-7EAD-4562-AB0E-DFB9663AECE3}"/>
-              </a:ext>
-            </a:extLst>
-          </p:cNvPr>
+          <p:cNvPr id="10" name="Прямоугольник 9"/>
           <p:cNvSpPr/>
           <p:nvPr/>
         </p:nvSpPr>
@@ -2859,13 +2635,7 @@
       </p:sp>
       <p:sp>
         <p:nvSpPr>
-          <p:cNvPr id="2" name="Дата 1">
-            <a:extLst>
-              <a:ext uri="{FF2B5EF4-FFF2-40B4-BE49-F238E27FC236}">
-                <a16:creationId xmlns:a16="http://schemas.microsoft.com/office/drawing/2014/main" id="{94E9223F-721F-47BF-9FD5-0F8D12FF0DE1}"/>
-              </a:ext>
-            </a:extLst>
-          </p:cNvPr>
+          <p:cNvPr id="2" name="Дата 1"/>
           <p:cNvSpPr>
             <a:spLocks noGrp="1"/>
           </p:cNvSpPr>
@@ -2881,7 +2651,6 @@
             <a:pPr rtl="0"/>
             <a:fld id="{14D5EF43-AECB-4459-AE90-3AFB54138C76}" type="datetime1">
               <a:rPr lang="ru-RU" smtClean="0"/>
-              <a:t>10.05.2022</a:t>
             </a:fld>
             <a:endParaRPr lang="en-US" dirty="0"/>
           </a:p>
@@ -2889,13 +2658,7 @@
       </p:sp>
       <p:sp>
         <p:nvSpPr>
-          <p:cNvPr id="3" name="Нижний колонтитул 2">
-            <a:extLst>
-              <a:ext uri="{FF2B5EF4-FFF2-40B4-BE49-F238E27FC236}">
-                <a16:creationId xmlns:a16="http://schemas.microsoft.com/office/drawing/2014/main" id="{05915714-6BBA-4593-8591-4E26F7D58D9F}"/>
-              </a:ext>
-            </a:extLst>
-          </p:cNvPr>
+          <p:cNvPr id="3" name="Нижний колонтитул 2"/>
           <p:cNvSpPr>
             <a:spLocks noGrp="1"/>
           </p:cNvSpPr>
@@ -2915,13 +2678,7 @@
       </p:sp>
       <p:sp>
         <p:nvSpPr>
-          <p:cNvPr id="4" name="Номер слайда 3">
-            <a:extLst>
-              <a:ext uri="{FF2B5EF4-FFF2-40B4-BE49-F238E27FC236}">
-                <a16:creationId xmlns:a16="http://schemas.microsoft.com/office/drawing/2014/main" id="{BE06F857-D2E1-44DD-ABDD-EBB739645B67}"/>
-              </a:ext>
-            </a:extLst>
-          </p:cNvPr>
+          <p:cNvPr id="4" name="Номер слайда 3"/>
           <p:cNvSpPr>
             <a:spLocks noGrp="1"/>
           </p:cNvSpPr>
@@ -2937,18 +2694,12 @@
             <a:pPr rtl="0"/>
             <a:fld id="{3A98EE3D-8CD1-4C3F-BD1C-C98C9596463C}" type="slidenum">
               <a:rPr lang="en-US" smtClean="0"/>
-              <a:t>‹#›</a:t>
             </a:fld>
             <a:endParaRPr lang="en-US" dirty="0"/>
           </a:p>
         </p:txBody>
       </p:sp>
     </p:spTree>
-    <p:extLst>
-      <p:ext uri="{BB962C8B-B14F-4D97-AF65-F5344CB8AC3E}">
-        <p14:creationId xmlns:p14="http://schemas.microsoft.com/office/powerpoint/2010/main" val="2001422672"/>
-      </p:ext>
-    </p:extLst>
   </p:cSld>
   <p:clrMapOvr>
     <a:masterClrMapping/>
@@ -2957,7 +2708,7 @@
 </file>
 
 <file path=ppt/slideLayouts/slideLayout8.xml><?xml version="1.0" encoding="utf-8"?>
-<p:sldLayout xmlns:a="http://schemas.openxmlformats.org/drawingml/2006/main" xmlns:r="http://schemas.openxmlformats.org/officeDocument/2006/relationships" xmlns:p="http://schemas.openxmlformats.org/presentationml/2006/main" showMasterSp="0" type="objTx" preserve="1">
+<p:sldLayout xmlns:a="http://schemas.openxmlformats.org/drawingml/2006/main" xmlns:r="http://schemas.openxmlformats.org/officeDocument/2006/relationships" xmlns:p="http://schemas.openxmlformats.org/presentationml/2006/main" type="objTx" preserve="1" showMasterSp="0">
   <p:cSld name="Объект с подписью">
     <p:spTree>
       <p:nvGrpSpPr>
@@ -2975,13 +2726,7 @@
       </p:grpSpPr>
       <p:sp>
         <p:nvSpPr>
-          <p:cNvPr id="8" name="Прямоугольник 7">
-            <a:extLst>
-              <a:ext uri="{FF2B5EF4-FFF2-40B4-BE49-F238E27FC236}">
-                <a16:creationId xmlns:a16="http://schemas.microsoft.com/office/drawing/2014/main" id="{16D90D66-BCB9-4229-A829-628874352AC0}"/>
-              </a:ext>
-            </a:extLst>
-          </p:cNvPr>
+          <p:cNvPr id="8" name="Прямоугольник 7"/>
           <p:cNvSpPr/>
           <p:nvPr/>
         </p:nvSpPr>
@@ -3084,6 +2829,7 @@
               <a:rPr lang="ru-RU"/>
               <a:t>Образец текста</a:t>
             </a:r>
+            <a:endParaRPr lang="ru-RU"/>
           </a:p>
           <a:p>
             <a:pPr lvl="1" rtl="0"/>
@@ -3091,6 +2837,7 @@
               <a:rPr lang="ru-RU"/>
               <a:t>Второй уровень</a:t>
             </a:r>
+            <a:endParaRPr lang="ru-RU"/>
           </a:p>
           <a:p>
             <a:pPr lvl="2" rtl="0"/>
@@ -3098,6 +2845,7 @@
               <a:rPr lang="ru-RU"/>
               <a:t>Третий уровень</a:t>
             </a:r>
+            <a:endParaRPr lang="ru-RU"/>
           </a:p>
           <a:p>
             <a:pPr lvl="3" rtl="0"/>
@@ -3105,6 +2853,7 @@
               <a:rPr lang="ru-RU"/>
               <a:t>Четвертый уровень</a:t>
             </a:r>
+            <a:endParaRPr lang="ru-RU"/>
           </a:p>
           <a:p>
             <a:pPr lvl="4" rtl="0"/>
@@ -3184,6 +2933,7 @@
               <a:rPr lang="ru-RU"/>
               <a:t>Образец текста</a:t>
             </a:r>
+            <a:endParaRPr lang="ru-RU"/>
           </a:p>
         </p:txBody>
       </p:sp>
@@ -3214,7 +2964,6 @@
             <a:pPr rtl="0"/>
             <a:fld id="{FD0FAC8F-653F-479B-B209-9F30C9091843}" type="datetime1">
               <a:rPr lang="ru-RU" smtClean="0"/>
-              <a:t>10.05.2022</a:t>
             </a:fld>
             <a:endParaRPr lang="en-US" dirty="0"/>
           </a:p>
@@ -3279,19 +3028,12 @@
             <a:pPr rtl="0"/>
             <a:fld id="{3A98EE3D-8CD1-4C3F-BD1C-C98C9596463C}" type="slidenum">
               <a:rPr lang="en-US" smtClean="0"/>
-              <a:pPr/>
-              <a:t>‹#›</a:t>
             </a:fld>
             <a:endParaRPr lang="en-US" dirty="0"/>
           </a:p>
         </p:txBody>
       </p:sp>
     </p:spTree>
-    <p:extLst>
-      <p:ext uri="{BB962C8B-B14F-4D97-AF65-F5344CB8AC3E}">
-        <p14:creationId xmlns:p14="http://schemas.microsoft.com/office/powerpoint/2010/main" val="1933282235"/>
-      </p:ext>
-    </p:extLst>
   </p:cSld>
   <p:clrMapOvr>
     <a:masterClrMapping/>
@@ -3300,7 +3042,7 @@
 </file>
 
 <file path=ppt/slideLayouts/slideLayout9.xml><?xml version="1.0" encoding="utf-8"?>
-<p:sldLayout xmlns:a="http://schemas.openxmlformats.org/drawingml/2006/main" xmlns:r="http://schemas.openxmlformats.org/officeDocument/2006/relationships" xmlns:p="http://schemas.openxmlformats.org/presentationml/2006/main" showMasterSp="0" type="picTx" preserve="1">
+<p:sldLayout xmlns:a="http://schemas.openxmlformats.org/drawingml/2006/main" xmlns:r="http://schemas.openxmlformats.org/officeDocument/2006/relationships" xmlns:p="http://schemas.openxmlformats.org/presentationml/2006/main" type="picTx" preserve="1" showMasterSp="0">
   <p:cSld name="Рисунок с подписью">
     <p:spTree>
       <p:nvGrpSpPr>
@@ -3318,13 +3060,7 @@
       </p:grpSpPr>
       <p:sp>
         <p:nvSpPr>
-          <p:cNvPr id="8" name="Прямоугольник 7">
-            <a:extLst>
-              <a:ext uri="{FF2B5EF4-FFF2-40B4-BE49-F238E27FC236}">
-                <a16:creationId xmlns:a16="http://schemas.microsoft.com/office/drawing/2014/main" id="{DA134939-39C0-4522-A125-A13DFDA66490}"/>
-              </a:ext>
-            </a:extLst>
-          </p:cNvPr>
+          <p:cNvPr id="8" name="Прямоугольник 7"/>
           <p:cNvSpPr/>
           <p:nvPr/>
         </p:nvSpPr>
@@ -3544,6 +3280,7 @@
               <a:rPr lang="ru-RU"/>
               <a:t>Образец текста</a:t>
             </a:r>
+            <a:endParaRPr lang="ru-RU"/>
           </a:p>
         </p:txBody>
       </p:sp>
@@ -3569,7 +3306,6 @@
             <a:pPr rtl="0"/>
             <a:fld id="{36FD9FC9-5FD1-4E3B-B719-212F55599717}" type="datetime1">
               <a:rPr lang="ru-RU" smtClean="0"/>
-              <a:t>10.05.2022</a:t>
             </a:fld>
             <a:endParaRPr lang="en-US" dirty="0"/>
           </a:p>
@@ -3618,18 +3354,12 @@
             <a:pPr rtl="0"/>
             <a:fld id="{3A98EE3D-8CD1-4C3F-BD1C-C98C9596463C}" type="slidenum">
               <a:rPr lang="en-US" smtClean="0"/>
-              <a:t>‹#›</a:t>
             </a:fld>
             <a:endParaRPr lang="en-US" dirty="0"/>
           </a:p>
         </p:txBody>
       </p:sp>
     </p:spTree>
-    <p:extLst>
-      <p:ext uri="{BB962C8B-B14F-4D97-AF65-F5344CB8AC3E}">
-        <p14:creationId xmlns:p14="http://schemas.microsoft.com/office/powerpoint/2010/main" val="523267730"/>
-      </p:ext>
-    </p:extLst>
   </p:cSld>
   <p:clrMapOvr>
     <a:masterClrMapping/>
@@ -3661,13 +3391,7 @@
       </p:grpSpPr>
       <p:sp>
         <p:nvSpPr>
-          <p:cNvPr id="7" name="Прямоугольник 6">
-            <a:extLst>
-              <a:ext uri="{FF2B5EF4-FFF2-40B4-BE49-F238E27FC236}">
-                <a16:creationId xmlns:a16="http://schemas.microsoft.com/office/drawing/2014/main" id="{416A0E3C-60E6-4F39-BC55-5F7C224E1F7C}"/>
-              </a:ext>
-            </a:extLst>
-          </p:cNvPr>
+          <p:cNvPr id="7" name="Прямоугольник 6"/>
           <p:cNvSpPr/>
           <p:nvPr/>
         </p:nvSpPr>
@@ -3730,7 +3454,7 @@
           <a:p>
             <a:pPr rtl="0"/>
             <a:r>
-              <a:rPr lang="ru" dirty="0"/>
+              <a:rPr lang="en-US" dirty="0"/>
               <a:t>Стиль образца заголовка</a:t>
             </a:r>
             <a:endParaRPr lang="en-US" dirty="0"/>
@@ -3764,35 +3488,39 @@
           <a:p>
             <a:pPr lvl="0" rtl="0"/>
             <a:r>
-              <a:rPr lang="ru" dirty="0"/>
+              <a:rPr lang="en-US" dirty="0"/>
               <a:t>Щелкните, чтобы изменить стили текста образца слайда</a:t>
             </a:r>
+            <a:endParaRPr lang="en-US" dirty="0"/>
           </a:p>
           <a:p>
             <a:pPr lvl="1" rtl="0"/>
             <a:r>
-              <a:rPr lang="ru" dirty="0"/>
+              <a:rPr lang="en-US" dirty="0"/>
               <a:t>Второй уровень</a:t>
             </a:r>
+            <a:endParaRPr lang="en-US" dirty="0"/>
           </a:p>
           <a:p>
             <a:pPr lvl="2" rtl="0"/>
             <a:r>
-              <a:rPr lang="ru" dirty="0"/>
+              <a:rPr lang="en-US" dirty="0"/>
               <a:t>Третий уровень</a:t>
             </a:r>
+            <a:endParaRPr lang="en-US" dirty="0"/>
           </a:p>
           <a:p>
             <a:pPr lvl="3" rtl="0"/>
             <a:r>
-              <a:rPr lang="ru" dirty="0"/>
+              <a:rPr lang="en-US" dirty="0"/>
               <a:t>Четвертый уровень</a:t>
             </a:r>
+            <a:endParaRPr lang="en-US" dirty="0"/>
           </a:p>
           <a:p>
             <a:pPr lvl="4" rtl="0"/>
             <a:r>
-              <a:rPr lang="ru" dirty="0"/>
+              <a:rPr lang="en-US" dirty="0"/>
               <a:t>Пятый уровень</a:t>
             </a:r>
             <a:endParaRPr lang="en-US" dirty="0"/>
@@ -3834,7 +3562,6 @@
           <a:p>
             <a:fld id="{428A7F57-8526-4A03-89D8-FFB0245E6649}" type="datetime1">
               <a:rPr lang="ru-RU" smtClean="0"/>
-              <a:t>10.05.2022</a:t>
             </a:fld>
             <a:endParaRPr lang="en-US" dirty="0"/>
           </a:p>
@@ -3912,8 +3639,6 @@
           <a:p>
             <a:fld id="{3A98EE3D-8CD1-4C3F-BD1C-C98C9596463C}" type="slidenum">
               <a:rPr lang="en-US" smtClean="0"/>
-              <a:pPr/>
-              <a:t>‹#›</a:t>
             </a:fld>
             <a:endParaRPr lang="en-US" dirty="0"/>
           </a:p>
@@ -3921,13 +3646,7 @@
       </p:sp>
       <p:cxnSp>
         <p:nvCxnSpPr>
-          <p:cNvPr id="10" name="Прямая соединительная линия 9">
-            <a:extLst>
-              <a:ext uri="{FF2B5EF4-FFF2-40B4-BE49-F238E27FC236}">
-                <a16:creationId xmlns:a16="http://schemas.microsoft.com/office/drawing/2014/main" id="{C5025DAC-8B93-4160-B017-3A274A5828C0}"/>
-              </a:ext>
-            </a:extLst>
-          </p:cNvPr>
+          <p:cNvPr id="10" name="Прямая соединительная линия 9"/>
           <p:cNvCxnSpPr/>
           <p:nvPr/>
         </p:nvCxnSpPr>
@@ -3964,25 +3683,20 @@
         </p:style>
       </p:cxnSp>
     </p:spTree>
-    <p:extLst>
-      <p:ext uri="{BB962C8B-B14F-4D97-AF65-F5344CB8AC3E}">
-        <p14:creationId xmlns:p14="http://schemas.microsoft.com/office/powerpoint/2010/main" val="3034982234"/>
-      </p:ext>
-    </p:extLst>
   </p:cSld>
   <p:clrMap bg1="lt1" tx1="dk1" bg2="lt2" tx2="dk2" accent1="accent1" accent2="accent2" accent3="accent3" accent4="accent4" accent5="accent5" accent6="accent6" hlink="hlink" folHlink="folHlink"/>
   <p:sldLayoutIdLst>
-    <p:sldLayoutId id="2147483748" r:id="rId1"/>
-    <p:sldLayoutId id="2147483749" r:id="rId2"/>
-    <p:sldLayoutId id="2147483747" r:id="rId3"/>
-    <p:sldLayoutId id="2147483743" r:id="rId4"/>
-    <p:sldLayoutId id="2147483738" r:id="rId5"/>
-    <p:sldLayoutId id="2147483732" r:id="rId6"/>
-    <p:sldLayoutId id="2147483733" r:id="rId7"/>
-    <p:sldLayoutId id="2147483734" r:id="rId8"/>
-    <p:sldLayoutId id="2147483735" r:id="rId9"/>
-    <p:sldLayoutId id="2147483736" r:id="rId10"/>
-    <p:sldLayoutId id="2147483737" r:id="rId11"/>
+    <p:sldLayoutId id="2147483649" r:id="rId1"/>
+    <p:sldLayoutId id="2147483650" r:id="rId2"/>
+    <p:sldLayoutId id="2147483651" r:id="rId3"/>
+    <p:sldLayoutId id="2147483652" r:id="rId4"/>
+    <p:sldLayoutId id="2147483653" r:id="rId5"/>
+    <p:sldLayoutId id="2147483654" r:id="rId6"/>
+    <p:sldLayoutId id="2147483655" r:id="rId7"/>
+    <p:sldLayoutId id="2147483656" r:id="rId8"/>
+    <p:sldLayoutId id="2147483657" r:id="rId9"/>
+    <p:sldLayoutId id="2147483658" r:id="rId10"/>
+    <p:sldLayoutId id="2147483659" r:id="rId11"/>
   </p:sldLayoutIdLst>
   <p:hf sldNum="0" hdr="0" ftr="0"/>
   <p:txStyles>
@@ -4037,7 +3751,7 @@
           <a:cs typeface="Calibri" panose="020F0502020204030204" pitchFamily="34" charset="0"/>
         </a:defRPr>
       </a:lvl1pPr>
-      <a:lvl2pPr marL="384048" indent="-182880" algn="l" defTabSz="914400" rtl="0" eaLnBrk="1" latinLnBrk="0" hangingPunct="1">
+      <a:lvl2pPr marL="384175" indent="-182880" algn="l" defTabSz="914400" rtl="0" eaLnBrk="1" latinLnBrk="0" hangingPunct="1">
         <a:lnSpc>
           <a:spcPct val="100000"/>
         </a:lnSpc>
@@ -4048,7 +3762,7 @@
           <a:spcPts val="400"/>
         </a:spcAft>
         <a:buClrTx/>
-        <a:buFont typeface="Calibri" pitchFamily="34" charset="0"/>
+        <a:buFont typeface="Calibri" panose="020F0502020204030204" pitchFamily="34" charset="0"/>
         <a:buChar char="◦"/>
         <a:defRPr sz="1700" kern="1200">
           <a:solidFill>
@@ -4062,7 +3776,7 @@
           <a:cs typeface="Calibri" panose="020F0502020204030204" pitchFamily="34" charset="0"/>
         </a:defRPr>
       </a:lvl2pPr>
-      <a:lvl3pPr marL="566928" indent="-182880" algn="l" defTabSz="914400" rtl="0" eaLnBrk="1" latinLnBrk="0" hangingPunct="1">
+      <a:lvl3pPr marL="567055" indent="-182880" algn="l" defTabSz="914400" rtl="0" eaLnBrk="1" latinLnBrk="0" hangingPunct="1">
         <a:lnSpc>
           <a:spcPct val="100000"/>
         </a:lnSpc>
@@ -4073,7 +3787,7 @@
           <a:spcPts val="400"/>
         </a:spcAft>
         <a:buClrTx/>
-        <a:buFont typeface="Calibri" pitchFamily="34" charset="0"/>
+        <a:buFont typeface="Calibri" panose="020F0502020204030204" pitchFamily="34" charset="0"/>
         <a:buChar char="◦"/>
         <a:defRPr sz="1300" kern="1200">
           <a:solidFill>
@@ -4087,7 +3801,7 @@
           <a:cs typeface="Calibri" panose="020F0502020204030204" pitchFamily="34" charset="0"/>
         </a:defRPr>
       </a:lvl3pPr>
-      <a:lvl4pPr marL="749808" indent="-182880" algn="l" defTabSz="914400" rtl="0" eaLnBrk="1" latinLnBrk="0" hangingPunct="1">
+      <a:lvl4pPr marL="749935" indent="-182880" algn="l" defTabSz="914400" rtl="0" eaLnBrk="1" latinLnBrk="0" hangingPunct="1">
         <a:lnSpc>
           <a:spcPct val="100000"/>
         </a:lnSpc>
@@ -4098,7 +3812,7 @@
           <a:spcPts val="400"/>
         </a:spcAft>
         <a:buClrTx/>
-        <a:buFont typeface="Calibri" pitchFamily="34" charset="0"/>
+        <a:buFont typeface="Calibri" panose="020F0502020204030204" pitchFamily="34" charset="0"/>
         <a:buChar char="◦"/>
         <a:defRPr sz="1300" kern="1200">
           <a:solidFill>
@@ -4112,7 +3826,7 @@
           <a:cs typeface="Calibri" panose="020F0502020204030204" pitchFamily="34" charset="0"/>
         </a:defRPr>
       </a:lvl4pPr>
-      <a:lvl5pPr marL="932688" indent="-182880" algn="l" defTabSz="914400" rtl="0" eaLnBrk="1" latinLnBrk="0" hangingPunct="1">
+      <a:lvl5pPr marL="932815" indent="-182880" algn="l" defTabSz="914400" rtl="0" eaLnBrk="1" latinLnBrk="0" hangingPunct="1">
         <a:lnSpc>
           <a:spcPct val="100000"/>
         </a:lnSpc>
@@ -4123,7 +3837,7 @@
           <a:spcPts val="400"/>
         </a:spcAft>
         <a:buClrTx/>
-        <a:buFont typeface="Calibri" pitchFamily="34" charset="0"/>
+        <a:buFont typeface="Calibri" panose="020F0502020204030204" pitchFamily="34" charset="0"/>
         <a:buChar char="◦"/>
         <a:defRPr sz="1300" kern="1200">
           <a:solidFill>
@@ -4137,7 +3851,7 @@
           <a:cs typeface="Calibri" panose="020F0502020204030204" pitchFamily="34" charset="0"/>
         </a:defRPr>
       </a:lvl5pPr>
-      <a:lvl6pPr marL="1100000" indent="-228600" algn="l" defTabSz="914400" rtl="0" eaLnBrk="1" latinLnBrk="0" hangingPunct="1">
+      <a:lvl6pPr marL="1099820" indent="-228600" algn="l" defTabSz="914400" rtl="0" eaLnBrk="1" latinLnBrk="0" hangingPunct="1">
         <a:lnSpc>
           <a:spcPct val="90000"/>
         </a:lnSpc>
@@ -4150,7 +3864,7 @@
         <a:buClr>
           <a:schemeClr val="accent1"/>
         </a:buClr>
-        <a:buFont typeface="Calibri" pitchFamily="34" charset="0"/>
+        <a:buFont typeface="Calibri" panose="020F0502020204030204" pitchFamily="34" charset="0"/>
         <a:buChar char="◦"/>
         <a:defRPr sz="1400" kern="1200">
           <a:solidFill>
@@ -4164,7 +3878,7 @@
           <a:cs typeface="+mn-cs"/>
         </a:defRPr>
       </a:lvl6pPr>
-      <a:lvl7pPr marL="1300000" indent="-228600" algn="l" defTabSz="914400" rtl="0" eaLnBrk="1" latinLnBrk="0" hangingPunct="1">
+      <a:lvl7pPr marL="1299845" indent="-228600" algn="l" defTabSz="914400" rtl="0" eaLnBrk="1" latinLnBrk="0" hangingPunct="1">
         <a:lnSpc>
           <a:spcPct val="90000"/>
         </a:lnSpc>
@@ -4177,7 +3891,7 @@
         <a:buClr>
           <a:schemeClr val="accent1"/>
         </a:buClr>
-        <a:buFont typeface="Calibri" pitchFamily="34" charset="0"/>
+        <a:buFont typeface="Calibri" panose="020F0502020204030204" pitchFamily="34" charset="0"/>
         <a:buChar char="◦"/>
         <a:defRPr sz="1400" kern="1200">
           <a:solidFill>
@@ -4191,7 +3905,7 @@
           <a:cs typeface="+mn-cs"/>
         </a:defRPr>
       </a:lvl7pPr>
-      <a:lvl8pPr marL="1500000" indent="-228600" algn="l" defTabSz="914400" rtl="0" eaLnBrk="1" latinLnBrk="0" hangingPunct="1">
+      <a:lvl8pPr marL="1499870" indent="-228600" algn="l" defTabSz="914400" rtl="0" eaLnBrk="1" latinLnBrk="0" hangingPunct="1">
         <a:lnSpc>
           <a:spcPct val="90000"/>
         </a:lnSpc>
@@ -4204,7 +3918,7 @@
         <a:buClr>
           <a:schemeClr val="accent1"/>
         </a:buClr>
-        <a:buFont typeface="Calibri" pitchFamily="34" charset="0"/>
+        <a:buFont typeface="Calibri" panose="020F0502020204030204" pitchFamily="34" charset="0"/>
         <a:buChar char="◦"/>
         <a:defRPr sz="1400" kern="1200">
           <a:solidFill>
@@ -4218,7 +3932,7 @@
           <a:cs typeface="+mn-cs"/>
         </a:defRPr>
       </a:lvl8pPr>
-      <a:lvl9pPr marL="1700000" indent="-228600" algn="l" defTabSz="914400" rtl="0" eaLnBrk="1" latinLnBrk="0" hangingPunct="1">
+      <a:lvl9pPr marL="1699895" indent="-228600" algn="l" defTabSz="914400" rtl="0" eaLnBrk="1" latinLnBrk="0" hangingPunct="1">
         <a:lnSpc>
           <a:spcPct val="90000"/>
         </a:lnSpc>
@@ -4231,7 +3945,7 @@
         <a:buClr>
           <a:schemeClr val="accent1"/>
         </a:buClr>
-        <a:buFont typeface="Calibri" pitchFamily="34" charset="0"/>
+        <a:buFont typeface="Calibri" panose="020F0502020204030204" pitchFamily="34" charset="0"/>
         <a:buChar char="◦"/>
         <a:defRPr sz="1400" kern="1200">
           <a:solidFill>
@@ -4372,26 +4086,11 @@
       </p:grpSpPr>
       <p:sp useBgFill="1">
         <p:nvSpPr>
-          <p:cNvPr id="22" name="Прямоугольник 21">
-            <a:extLst>
-              <a:ext uri="{FF2B5EF4-FFF2-40B4-BE49-F238E27FC236}">
-                <a16:creationId xmlns:a16="http://schemas.microsoft.com/office/drawing/2014/main" id="{A9286AD2-18A9-4868-A4E3-7A2097A20810}"/>
-              </a:ext>
-              <a:ext uri="{C183D7F6-B498-43B3-948B-1728B52AA6E4}">
-                <adec:decorative xmlns:adec="http://schemas.microsoft.com/office/drawing/2017/decorative" val="1"/>
-              </a:ext>
-            </a:extLst>
-          </p:cNvPr>
+          <p:cNvPr id="22" name="Прямоугольник 21"/>
           <p:cNvSpPr>
             <a:spLocks noGrp="1" noRot="1" noChangeAspect="1" noMove="1" noResize="1" noEditPoints="1" noAdjustHandles="1" noChangeArrowheads="1" noChangeShapeType="1" noTextEdit="1"/>
           </p:cNvSpPr>
-          <p:nvPr>
-            <p:extLst>
-              <p:ext uri="{386F3935-93C4-4BCD-93E2-E3B085C9AB24}">
-                <p16:designElem xmlns:p16="http://schemas.microsoft.com/office/powerpoint/2015/main" val="1"/>
-              </p:ext>
-            </p:extLst>
-          </p:nvPr>
+          <p:nvPr/>
         </p:nvSpPr>
         <p:spPr>
           <a:xfrm>
@@ -4432,13 +4131,7 @@
       </p:sp>
       <p:sp>
         <p:nvSpPr>
-          <p:cNvPr id="2" name="Заголовок 1">
-            <a:extLst>
-              <a:ext uri="{FF2B5EF4-FFF2-40B4-BE49-F238E27FC236}">
-                <a16:creationId xmlns:a16="http://schemas.microsoft.com/office/drawing/2014/main" id="{78FD68DA-43BA-4508-8DE2-BA9BB7B2FA5B}"/>
-              </a:ext>
-            </a:extLst>
-          </p:cNvPr>
+          <p:cNvPr id="2" name="Заголовок 1"/>
           <p:cNvSpPr>
             <a:spLocks noGrp="1"/>
           </p:cNvSpPr>
@@ -4462,19 +4155,13 @@
               <a:rPr lang="ru-RU" sz="7200" dirty="0"/>
               <a:t>Клиент-серверная архитектура</a:t>
             </a:r>
-            <a:endParaRPr lang="ru" sz="7200" dirty="0"/>
-          </a:p>
-        </p:txBody>
-      </p:sp>
-      <p:sp>
-        <p:nvSpPr>
-          <p:cNvPr id="3" name="Подзаголовок 2">
-            <a:extLst>
-              <a:ext uri="{FF2B5EF4-FFF2-40B4-BE49-F238E27FC236}">
-                <a16:creationId xmlns:a16="http://schemas.microsoft.com/office/drawing/2014/main" id="{A8E9CFF2-3777-4FF4-A759-8491175B0B7C}"/>
-              </a:ext>
-            </a:extLst>
-          </p:cNvPr>
+            <a:endParaRPr lang="en-US" sz="7200" dirty="0"/>
+          </a:p>
+        </p:txBody>
+      </p:sp>
+      <p:sp>
+        <p:nvSpPr>
+          <p:cNvPr id="3" name="Подзаголовок 2"/>
           <p:cNvSpPr>
             <a:spLocks noGrp="1"/>
           </p:cNvSpPr>
@@ -4506,7 +4193,7 @@
               </a:rPr>
               <a:t>Lection 10</a:t>
             </a:r>
-            <a:endParaRPr lang="ru" sz="2400" dirty="0">
+            <a:endParaRPr lang="en-US" sz="2400" dirty="0">
               <a:solidFill>
                 <a:schemeClr val="tx1">
                   <a:lumMod val="85000"/>
@@ -4519,20 +4206,14 @@
       </p:sp>
       <p:pic>
         <p:nvPicPr>
-          <p:cNvPr id="5" name="Рисунок 4" descr="Изображение здания, места для сидения, скамейки, вид сбоку&#10;&#10;Автоматически созданное описание">
-            <a:extLst>
-              <a:ext uri="{FF2B5EF4-FFF2-40B4-BE49-F238E27FC236}">
-                <a16:creationId xmlns:a16="http://schemas.microsoft.com/office/drawing/2014/main" id="{282CF6DD-7FE8-4063-9551-1B7BBCE92ABE}"/>
-              </a:ext>
-            </a:extLst>
-          </p:cNvPr>
+          <p:cNvPr id="5" name="Рисунок 4" descr="Изображение здания, места для сидения, скамейки, вид сбоку&#10;&#10;Автоматически созданное описание"/>
           <p:cNvPicPr>
             <a:picLocks noChangeAspect="1"/>
           </p:cNvPicPr>
           <p:nvPr/>
         </p:nvPicPr>
         <p:blipFill rotWithShape="1">
-          <a:blip r:embed="rId2">
+          <a:blip r:embed="rId1">
             <a:extLst>
               <a:ext uri="{28A0092B-C50C-407E-A947-70E740481C1C}">
                 <a14:useLocalDpi xmlns:a14="http://schemas.microsoft.com/office/drawing/2010/main" val="0"/>
@@ -4540,7 +4221,9 @@
             </a:extLst>
           </a:blip>
           <a:srcRect/>
-          <a:stretch/>
+          <a:stretch>
+            <a:fillRect/>
+          </a:stretch>
         </p:blipFill>
         <p:spPr>
           <a:xfrm>
@@ -4554,26 +4237,11 @@
       </p:pic>
       <p:cxnSp>
         <p:nvCxnSpPr>
-          <p:cNvPr id="24" name="Прямая соединительная линия 23">
-            <a:extLst>
-              <a:ext uri="{FF2B5EF4-FFF2-40B4-BE49-F238E27FC236}">
-                <a16:creationId xmlns:a16="http://schemas.microsoft.com/office/drawing/2014/main" id="{E7A7CD63-7EC3-44F3-95D0-595C4019FF24}"/>
-              </a:ext>
-              <a:ext uri="{C183D7F6-B498-43B3-948B-1728B52AA6E4}">
-                <adec:decorative xmlns:adec="http://schemas.microsoft.com/office/drawing/2017/decorative" val="1"/>
-              </a:ext>
-            </a:extLst>
-          </p:cNvPr>
+          <p:cNvPr id="24" name="Прямая соединительная линия 23"/>
           <p:cNvCxnSpPr>
             <a:cxnSpLocks noGrp="1" noRot="1" noChangeAspect="1" noMove="1" noResize="1" noEditPoints="1" noAdjustHandles="1" noChangeArrowheads="1" noChangeShapeType="1"/>
           </p:cNvCxnSpPr>
-          <p:nvPr>
-            <p:extLst>
-              <p:ext uri="{386F3935-93C4-4BCD-93E2-E3B085C9AB24}">
-                <p16:designElem xmlns:p16="http://schemas.microsoft.com/office/powerpoint/2015/main" val="1"/>
-              </p:ext>
-            </p:extLst>
-          </p:nvPr>
+          <p:nvPr/>
         </p:nvCxnSpPr>
         <p:spPr>
           <a:xfrm>
@@ -4608,11 +4276,6 @@
         </p:style>
       </p:cxnSp>
     </p:spTree>
-    <p:extLst>
-      <p:ext uri="{BB962C8B-B14F-4D97-AF65-F5344CB8AC3E}">
-        <p14:creationId xmlns:p14="http://schemas.microsoft.com/office/powerpoint/2010/main" val="4043737824"/>
-      </p:ext>
-    </p:extLst>
   </p:cSld>
   <p:clrMapOvr>
     <a:masterClrMapping/>
@@ -4639,13 +4302,7 @@
       </p:grpSpPr>
       <p:sp>
         <p:nvSpPr>
-          <p:cNvPr id="2" name="Заголовок 1">
-            <a:extLst>
-              <a:ext uri="{FF2B5EF4-FFF2-40B4-BE49-F238E27FC236}">
-                <a16:creationId xmlns:a16="http://schemas.microsoft.com/office/drawing/2014/main" id="{A06C6118-A22D-4272-9FCB-7AA193AD1BD5}"/>
-              </a:ext>
-            </a:extLst>
-          </p:cNvPr>
+          <p:cNvPr id="2" name="Заголовок 1"/>
           <p:cNvSpPr>
             <a:spLocks noGrp="1"/>
           </p:cNvSpPr>
@@ -4662,19 +4319,13 @@
               <a:rPr lang="ru-RU" dirty="0"/>
               <a:t>Сетевые протоколы</a:t>
             </a:r>
-            <a:endParaRPr lang="ru-BY" dirty="0"/>
-          </a:p>
-        </p:txBody>
-      </p:sp>
-      <p:sp>
-        <p:nvSpPr>
-          <p:cNvPr id="3" name="Объект 2">
-            <a:extLst>
-              <a:ext uri="{FF2B5EF4-FFF2-40B4-BE49-F238E27FC236}">
-                <a16:creationId xmlns:a16="http://schemas.microsoft.com/office/drawing/2014/main" id="{653033B7-48CF-45F7-A68F-59DA08A56F13}"/>
-              </a:ext>
-            </a:extLst>
-          </p:cNvPr>
+            <a:endParaRPr lang="en-US" dirty="0"/>
+          </a:p>
+        </p:txBody>
+      </p:sp>
+      <p:sp>
+        <p:nvSpPr>
+          <p:cNvPr id="3" name="Объект 2"/>
           <p:cNvSpPr>
             <a:spLocks noGrp="1"/>
           </p:cNvSpPr>
@@ -4710,6 +4361,13 @@
               </a:rPr>
               <a:t> – совокупность протоколов передачи информации. TCP/IP – это особое обозначение всей сети, которая функционирует на основе протоколов TCP, а также IP.</a:t>
             </a:r>
+            <a:endParaRPr lang="ru-RU" b="0" i="0" dirty="0">
+              <a:solidFill>
+                <a:srgbClr val="000000"/>
+              </a:solidFill>
+              <a:effectLst/>
+              <a:latin typeface="Lato" panose="020F0502020204030203" pitchFamily="34" charset="0"/>
+            </a:endParaRPr>
           </a:p>
           <a:p>
             <a:pPr algn="l" fontAlgn="base"/>
@@ -4733,6 +4391,13 @@
               </a:rPr>
               <a:t> – вид протокола, который является связующим звеном для установки качественного соединения между 2 устройствами, передачи данных и верификации их получения.</a:t>
             </a:r>
+            <a:endParaRPr lang="ru-RU" b="0" i="0" dirty="0">
+              <a:solidFill>
+                <a:srgbClr val="000000"/>
+              </a:solidFill>
+              <a:effectLst/>
+              <a:latin typeface="Lato" panose="020F0502020204030203" pitchFamily="34" charset="0"/>
+            </a:endParaRPr>
           </a:p>
           <a:p>
             <a:pPr algn="l" fontAlgn="base"/>
@@ -4756,6 +4421,13 @@
               </a:rPr>
               <a:t> – протокол, в функции которого входит корректность доставки сообщений по выбранному адресу. При этом информация делится на пакеты, которые могут поставляться по-разному.</a:t>
             </a:r>
+            <a:endParaRPr lang="ru-RU" b="0" i="0" dirty="0">
+              <a:solidFill>
+                <a:srgbClr val="000000"/>
+              </a:solidFill>
+              <a:effectLst/>
+              <a:latin typeface="Lato" panose="020F0502020204030203" pitchFamily="34" charset="0"/>
+            </a:endParaRPr>
           </a:p>
           <a:p>
             <a:pPr algn="l" fontAlgn="base"/>
@@ -4779,6 +4451,13 @@
               </a:rPr>
               <a:t> – вид протокола, на основании которого происходит процесс верификации сетевых устройств. Все устройства, которые подключены к сети Интернет, содержат свой оригинальный MAC-адрес.</a:t>
             </a:r>
+            <a:endParaRPr lang="ru-RU" b="0" i="0" dirty="0">
+              <a:solidFill>
+                <a:srgbClr val="000000"/>
+              </a:solidFill>
+              <a:effectLst/>
+              <a:latin typeface="Lato" panose="020F0502020204030203" pitchFamily="34" charset="0"/>
+            </a:endParaRPr>
           </a:p>
           <a:p>
             <a:pPr algn="l" fontAlgn="base"/>
@@ -4802,6 +4481,13 @@
               </a:rPr>
               <a:t> – протокол, который ответственен за обмен данными, но не используется для процесса передачи информации.</a:t>
             </a:r>
+            <a:endParaRPr lang="ru-RU" b="0" i="0" dirty="0">
+              <a:solidFill>
+                <a:srgbClr val="000000"/>
+              </a:solidFill>
+              <a:effectLst/>
+              <a:latin typeface="Lato" panose="020F0502020204030203" pitchFamily="34" charset="0"/>
+            </a:endParaRPr>
           </a:p>
           <a:p>
             <a:pPr algn="l" fontAlgn="base"/>
@@ -4825,6 +4511,13 @@
               </a:rPr>
               <a:t> – протокол, управляющий передачей данных, но данные не проходят верификацию при получении. Этот протокол функционирует быстрее, чем протокол TCP.</a:t>
             </a:r>
+            <a:endParaRPr lang="ru-RU" b="0" i="0" dirty="0">
+              <a:solidFill>
+                <a:srgbClr val="000000"/>
+              </a:solidFill>
+              <a:effectLst/>
+              <a:latin typeface="Lato" panose="020F0502020204030203" pitchFamily="34" charset="0"/>
+            </a:endParaRPr>
           </a:p>
           <a:p>
             <a:pPr algn="just" fontAlgn="base"/>
@@ -4848,6 +4541,13 @@
               </a:rPr>
               <a:t> – протокол для передачи информации (гипертекста), на базе которого функционируют все сегодняшние сайты. В его возможности входит процесс запрашивания необходимых данных у виртуально удаленной системы (файлы, веб-страницы и прочее).</a:t>
             </a:r>
+            <a:endParaRPr lang="ru-RU" b="1" i="0" dirty="0">
+              <a:solidFill>
+                <a:srgbClr val="FF0000"/>
+              </a:solidFill>
+              <a:effectLst/>
+              <a:latin typeface="Lato" panose="020F0502020204030203" pitchFamily="34" charset="0"/>
+            </a:endParaRPr>
           </a:p>
           <a:p>
             <a:pPr algn="l" fontAlgn="base"/>
@@ -4871,6 +4571,13 @@
               </a:rPr>
               <a:t> – протокол передачи информации из особого файлового сервера на ПК конечного пользователя.</a:t>
             </a:r>
+            <a:endParaRPr lang="ru-RU" b="0" i="0" dirty="0">
+              <a:solidFill>
+                <a:srgbClr val="000000"/>
+              </a:solidFill>
+              <a:effectLst/>
+              <a:latin typeface="Lato" panose="020F0502020204030203" pitchFamily="34" charset="0"/>
+            </a:endParaRPr>
           </a:p>
           <a:p>
             <a:pPr algn="l" fontAlgn="base"/>
@@ -4894,6 +4601,13 @@
               </a:rPr>
               <a:t> – классический протокол простого почтового соединения, который ответственен за передачу почты.</a:t>
             </a:r>
+            <a:endParaRPr lang="ru-RU" b="0" i="0" dirty="0">
+              <a:solidFill>
+                <a:srgbClr val="000000"/>
+              </a:solidFill>
+              <a:effectLst/>
+              <a:latin typeface="Lato" panose="020F0502020204030203" pitchFamily="34" charset="0"/>
+            </a:endParaRPr>
           </a:p>
           <a:p>
             <a:pPr algn="l" fontAlgn="base"/>
@@ -4917,18 +4631,19 @@
               </a:rPr>
               <a:t> – вид протокола, который может устанавливать правила для передачи виртуальной почты. Он ответственен за передачу и верификацию доставки, а также оповещения о возможных ошибках.</a:t>
             </a:r>
-          </a:p>
-        </p:txBody>
-      </p:sp>
-      <p:sp>
-        <p:nvSpPr>
-          <p:cNvPr id="4" name="Дата 3">
-            <a:extLst>
-              <a:ext uri="{FF2B5EF4-FFF2-40B4-BE49-F238E27FC236}">
-                <a16:creationId xmlns:a16="http://schemas.microsoft.com/office/drawing/2014/main" id="{BC4E72DD-002F-4E24-B813-7E9D032D412C}"/>
-              </a:ext>
-            </a:extLst>
-          </p:cNvPr>
+            <a:endParaRPr lang="ru-RU" b="0" i="0" dirty="0">
+              <a:solidFill>
+                <a:srgbClr val="000000"/>
+              </a:solidFill>
+              <a:effectLst/>
+              <a:latin typeface="Lato" panose="020F0502020204030203" pitchFamily="34" charset="0"/>
+            </a:endParaRPr>
+          </a:p>
+        </p:txBody>
+      </p:sp>
+      <p:sp>
+        <p:nvSpPr>
+          <p:cNvPr id="4" name="Дата 3"/>
           <p:cNvSpPr>
             <a:spLocks noGrp="1"/>
           </p:cNvSpPr>
@@ -4944,18 +4659,12 @@
             <a:pPr rtl="0"/>
             <a:fld id="{BE289488-0C23-4DC8-A9FA-240659547385}" type="datetime1">
               <a:rPr lang="ru-RU" smtClean="0"/>
-              <a:t>10.05.2022</a:t>
             </a:fld>
             <a:endParaRPr lang="en-US" dirty="0"/>
           </a:p>
         </p:txBody>
       </p:sp>
     </p:spTree>
-    <p:extLst>
-      <p:ext uri="{BB962C8B-B14F-4D97-AF65-F5344CB8AC3E}">
-        <p14:creationId xmlns:p14="http://schemas.microsoft.com/office/powerpoint/2010/main" val="1538819152"/>
-      </p:ext>
-    </p:extLst>
   </p:cSld>
   <p:clrMapOvr>
     <a:masterClrMapping/>
@@ -4982,13 +4691,7 @@
       </p:grpSpPr>
       <p:sp>
         <p:nvSpPr>
-          <p:cNvPr id="2" name="Заголовок 1">
-            <a:extLst>
-              <a:ext uri="{FF2B5EF4-FFF2-40B4-BE49-F238E27FC236}">
-                <a16:creationId xmlns:a16="http://schemas.microsoft.com/office/drawing/2014/main" id="{21BF40C6-61E8-46C1-9043-46D0E14A01FE}"/>
-              </a:ext>
-            </a:extLst>
-          </p:cNvPr>
+          <p:cNvPr id="2" name="Заголовок 1"/>
           <p:cNvSpPr>
             <a:spLocks noGrp="1"/>
           </p:cNvSpPr>
@@ -5005,19 +4708,13 @@
               <a:rPr lang="ru-RU" dirty="0"/>
               <a:t>Коды ответа сервера</a:t>
             </a:r>
-            <a:endParaRPr lang="ru-BY" dirty="0"/>
+            <a:endParaRPr lang="en-US" dirty="0"/>
           </a:p>
         </p:txBody>
       </p:sp>
       <p:pic>
         <p:nvPicPr>
-          <p:cNvPr id="6" name="Объект 5">
-            <a:extLst>
-              <a:ext uri="{FF2B5EF4-FFF2-40B4-BE49-F238E27FC236}">
-                <a16:creationId xmlns:a16="http://schemas.microsoft.com/office/drawing/2014/main" id="{7121FF35-5EFC-48D8-B43F-DAAB1CA924A9}"/>
-              </a:ext>
-            </a:extLst>
-          </p:cNvPr>
+          <p:cNvPr id="6" name="Объект 5"/>
           <p:cNvPicPr>
             <a:picLocks noGrp="1" noChangeAspect="1"/>
           </p:cNvPicPr>
@@ -5026,7 +4723,7 @@
           </p:nvPr>
         </p:nvPicPr>
         <p:blipFill>
-          <a:blip r:embed="rId2">
+          <a:blip r:embed="rId1">
             <a:extLst>
               <a:ext uri="{28A0092B-C50C-407E-A947-70E740481C1C}">
                 <a14:useLocalDpi xmlns:a14="http://schemas.microsoft.com/office/drawing/2010/main" val="0"/>
@@ -5046,13 +4743,7 @@
       </p:pic>
       <p:sp>
         <p:nvSpPr>
-          <p:cNvPr id="7" name="Текст 6">
-            <a:extLst>
-              <a:ext uri="{FF2B5EF4-FFF2-40B4-BE49-F238E27FC236}">
-                <a16:creationId xmlns:a16="http://schemas.microsoft.com/office/drawing/2014/main" id="{F746BB90-4A6C-4D49-8DA2-DF3364313D33}"/>
-              </a:ext>
-            </a:extLst>
-          </p:cNvPr>
+          <p:cNvPr id="7" name="Текст 6"/>
           <p:cNvSpPr>
             <a:spLocks noGrp="1"/>
           </p:cNvSpPr>
@@ -5069,43 +4760,41 @@
               <a:rPr lang="ru-RU" dirty="0"/>
               <a:t>1хх – Информационные</a:t>
             </a:r>
+            <a:endParaRPr lang="ru-RU" dirty="0"/>
           </a:p>
           <a:p>
             <a:r>
               <a:rPr lang="ru-RU" dirty="0"/>
               <a:t>2хх – Успешно</a:t>
             </a:r>
+            <a:endParaRPr lang="ru-RU" dirty="0"/>
           </a:p>
           <a:p>
             <a:r>
               <a:rPr lang="ru-RU" dirty="0"/>
               <a:t>3хх – Перенаправление</a:t>
             </a:r>
+            <a:endParaRPr lang="ru-RU" dirty="0"/>
           </a:p>
           <a:p>
             <a:r>
               <a:rPr lang="ru-RU" dirty="0"/>
               <a:t>4хх – Клиентские ошибки</a:t>
             </a:r>
+            <a:endParaRPr lang="ru-RU" dirty="0"/>
           </a:p>
           <a:p>
             <a:r>
               <a:rPr lang="ru-RU" dirty="0"/>
               <a:t>5хх – Ошибки сервера</a:t>
             </a:r>
-            <a:endParaRPr lang="ru-BY" dirty="0"/>
-          </a:p>
-        </p:txBody>
-      </p:sp>
-      <p:sp>
-        <p:nvSpPr>
-          <p:cNvPr id="4" name="Дата 3">
-            <a:extLst>
-              <a:ext uri="{FF2B5EF4-FFF2-40B4-BE49-F238E27FC236}">
-                <a16:creationId xmlns:a16="http://schemas.microsoft.com/office/drawing/2014/main" id="{11D8CC9A-B11A-42FD-8D9C-DBDE06B44E38}"/>
-              </a:ext>
-            </a:extLst>
-          </p:cNvPr>
+            <a:endParaRPr lang="en-US" dirty="0"/>
+          </a:p>
+        </p:txBody>
+      </p:sp>
+      <p:sp>
+        <p:nvSpPr>
+          <p:cNvPr id="4" name="Дата 3"/>
           <p:cNvSpPr>
             <a:spLocks noGrp="1"/>
           </p:cNvSpPr>
@@ -5121,18 +4810,12 @@
             <a:pPr rtl="0"/>
             <a:fld id="{BE289488-0C23-4DC8-A9FA-240659547385}" type="datetime1">
               <a:rPr lang="ru-RU" smtClean="0"/>
-              <a:t>10.05.2022</a:t>
             </a:fld>
             <a:endParaRPr lang="en-US" dirty="0"/>
           </a:p>
         </p:txBody>
       </p:sp>
     </p:spTree>
-    <p:extLst>
-      <p:ext uri="{BB962C8B-B14F-4D97-AF65-F5344CB8AC3E}">
-        <p14:creationId xmlns:p14="http://schemas.microsoft.com/office/powerpoint/2010/main" val="2953844008"/>
-      </p:ext>
-    </p:extLst>
   </p:cSld>
   <p:clrMapOvr>
     <a:masterClrMapping/>
@@ -5159,13 +4842,7 @@
       </p:grpSpPr>
       <p:sp>
         <p:nvSpPr>
-          <p:cNvPr id="6" name="Заголовок 5">
-            <a:extLst>
-              <a:ext uri="{FF2B5EF4-FFF2-40B4-BE49-F238E27FC236}">
-                <a16:creationId xmlns:a16="http://schemas.microsoft.com/office/drawing/2014/main" id="{E708F691-6610-4187-B651-9032627D2153}"/>
-              </a:ext>
-            </a:extLst>
-          </p:cNvPr>
+          <p:cNvPr id="6" name="Заголовок 5"/>
           <p:cNvSpPr>
             <a:spLocks noGrp="1"/>
           </p:cNvSpPr>
@@ -5182,19 +4859,13 @@
               <a:rPr lang="en-US" dirty="0"/>
               <a:t>API</a:t>
             </a:r>
-            <a:endParaRPr lang="ru-BY" dirty="0"/>
-          </a:p>
-        </p:txBody>
-      </p:sp>
-      <p:sp>
-        <p:nvSpPr>
-          <p:cNvPr id="7" name="Объект 6">
-            <a:extLst>
-              <a:ext uri="{FF2B5EF4-FFF2-40B4-BE49-F238E27FC236}">
-                <a16:creationId xmlns:a16="http://schemas.microsoft.com/office/drawing/2014/main" id="{F62743CA-4802-4D48-9054-61E310A37CE3}"/>
-              </a:ext>
-            </a:extLst>
-          </p:cNvPr>
+            <a:endParaRPr lang="en-US" dirty="0"/>
+          </a:p>
+        </p:txBody>
+      </p:sp>
+      <p:sp>
+        <p:nvSpPr>
+          <p:cNvPr id="7" name="Объект 6"/>
           <p:cNvSpPr>
             <a:spLocks noGrp="1"/>
           </p:cNvSpPr>
@@ -5207,19 +4878,13 @@
           <a:bodyPr/>
           <a:lstStyle/>
           <a:p>
-            <a:endParaRPr lang="ru-BY" dirty="0"/>
-          </a:p>
-        </p:txBody>
-      </p:sp>
-      <p:sp>
-        <p:nvSpPr>
-          <p:cNvPr id="10" name="Текст 9">
-            <a:extLst>
-              <a:ext uri="{FF2B5EF4-FFF2-40B4-BE49-F238E27FC236}">
-                <a16:creationId xmlns:a16="http://schemas.microsoft.com/office/drawing/2014/main" id="{0151B63C-08C5-4C34-964E-5F0EBC268EDC}"/>
-              </a:ext>
-            </a:extLst>
-          </p:cNvPr>
+            <a:endParaRPr lang="en-US" dirty="0"/>
+          </a:p>
+        </p:txBody>
+      </p:sp>
+      <p:sp>
+        <p:nvSpPr>
+          <p:cNvPr id="10" name="Текст 9"/>
           <p:cNvSpPr>
             <a:spLocks noGrp="1"/>
           </p:cNvSpPr>
@@ -5252,27 +4917,23 @@
               <a:rPr lang="ru-RU" dirty="0"/>
               <a:t>) — это контракт, который предоставляет программа. </a:t>
             </a:r>
+            <a:endParaRPr lang="ru-RU" dirty="0"/>
           </a:p>
           <a:p>
             <a:r>
               <a:rPr lang="ru-RU" dirty="0"/>
               <a:t>«Ко мне можно обращаться так и так, я обязуюсь делать то и это».</a:t>
             </a:r>
-          </a:p>
-          <a:p>
-            <a:endParaRPr lang="ru-BY" dirty="0"/>
-          </a:p>
-        </p:txBody>
-      </p:sp>
-      <p:sp>
-        <p:nvSpPr>
-          <p:cNvPr id="5" name="Дата 4">
-            <a:extLst>
-              <a:ext uri="{FF2B5EF4-FFF2-40B4-BE49-F238E27FC236}">
-                <a16:creationId xmlns:a16="http://schemas.microsoft.com/office/drawing/2014/main" id="{0FDB5A83-3F52-43E6-A665-0E32D6691E48}"/>
-              </a:ext>
-            </a:extLst>
-          </p:cNvPr>
+            <a:endParaRPr lang="ru-RU" dirty="0"/>
+          </a:p>
+          <a:p>
+            <a:endParaRPr lang="en-US" dirty="0"/>
+          </a:p>
+        </p:txBody>
+      </p:sp>
+      <p:sp>
+        <p:nvSpPr>
+          <p:cNvPr id="5" name="Дата 4"/>
           <p:cNvSpPr>
             <a:spLocks noGrp="1"/>
           </p:cNvSpPr>
@@ -5288,7 +4949,6 @@
             <a:pPr rtl="0"/>
             <a:fld id="{FD0FAC8F-653F-479B-B209-9F30C9091843}" type="datetime1">
               <a:rPr lang="ru-RU" smtClean="0"/>
-              <a:t>10.05.2022</a:t>
             </a:fld>
             <a:endParaRPr lang="en-US" dirty="0"/>
           </a:p>
@@ -5296,20 +4956,14 @@
       </p:sp>
       <p:pic>
         <p:nvPicPr>
-          <p:cNvPr id="9" name="Рисунок 8">
-            <a:extLst>
-              <a:ext uri="{FF2B5EF4-FFF2-40B4-BE49-F238E27FC236}">
-                <a16:creationId xmlns:a16="http://schemas.microsoft.com/office/drawing/2014/main" id="{3CE49888-AD96-45DA-BEC0-35E15B8BD101}"/>
-              </a:ext>
-            </a:extLst>
-          </p:cNvPr>
+          <p:cNvPr id="9" name="Рисунок 8"/>
           <p:cNvPicPr>
             <a:picLocks noChangeAspect="1"/>
           </p:cNvPicPr>
           <p:nvPr/>
         </p:nvPicPr>
         <p:blipFill>
-          <a:blip r:embed="rId2">
+          <a:blip r:embed="rId1">
             <a:extLst>
               <a:ext uri="{28A0092B-C50C-407E-A947-70E740481C1C}">
                 <a14:useLocalDpi xmlns:a14="http://schemas.microsoft.com/office/drawing/2010/main" val="0"/>
@@ -5331,11 +4985,6 @@
         </p:spPr>
       </p:pic>
     </p:spTree>
-    <p:extLst>
-      <p:ext uri="{BB962C8B-B14F-4D97-AF65-F5344CB8AC3E}">
-        <p14:creationId xmlns:p14="http://schemas.microsoft.com/office/powerpoint/2010/main" val="1628633600"/>
-      </p:ext>
-    </p:extLst>
   </p:cSld>
   <p:clrMapOvr>
     <a:masterClrMapping/>
@@ -5362,13 +5011,7 @@
       </p:grpSpPr>
       <p:sp>
         <p:nvSpPr>
-          <p:cNvPr id="2" name="Заголовок 1">
-            <a:extLst>
-              <a:ext uri="{FF2B5EF4-FFF2-40B4-BE49-F238E27FC236}">
-                <a16:creationId xmlns:a16="http://schemas.microsoft.com/office/drawing/2014/main" id="{D7C9D0A6-2752-4C20-9FB3-372EA27A8C1F}"/>
-              </a:ext>
-            </a:extLst>
-          </p:cNvPr>
+          <p:cNvPr id="2" name="Заголовок 1"/>
           <p:cNvSpPr>
             <a:spLocks noGrp="1"/>
           </p:cNvSpPr>
@@ -5385,19 +5028,13 @@
               <a:rPr lang="ru-RU" dirty="0"/>
               <a:t>Форматы представления данных.</a:t>
             </a:r>
-            <a:endParaRPr lang="ru-BY" dirty="0"/>
-          </a:p>
-        </p:txBody>
-      </p:sp>
-      <p:sp>
-        <p:nvSpPr>
-          <p:cNvPr id="4" name="Текст 3">
-            <a:extLst>
-              <a:ext uri="{FF2B5EF4-FFF2-40B4-BE49-F238E27FC236}">
-                <a16:creationId xmlns:a16="http://schemas.microsoft.com/office/drawing/2014/main" id="{D2522ADB-9385-4957-A521-20705C806E50}"/>
-              </a:ext>
-            </a:extLst>
-          </p:cNvPr>
+            <a:endParaRPr lang="en-US" dirty="0"/>
+          </a:p>
+        </p:txBody>
+      </p:sp>
+      <p:sp>
+        <p:nvSpPr>
+          <p:cNvPr id="4" name="Текст 3"/>
           <p:cNvSpPr>
             <a:spLocks noGrp="1"/>
           </p:cNvSpPr>
@@ -5454,6 +5091,13 @@
               </a:rPr>
               <a:t> — это обычный текст;</a:t>
             </a:r>
+            <a:endParaRPr lang="ru-RU" b="0" i="0" dirty="0">
+              <a:solidFill>
+                <a:srgbClr val="111111"/>
+              </a:solidFill>
+              <a:effectLst/>
+              <a:latin typeface="-apple-system"/>
+            </a:endParaRPr>
           </a:p>
           <a:p>
             <a:pPr algn="l">
@@ -5470,6 +5114,13 @@
               </a:rPr>
               <a:t>XML — язык разметки информации;</a:t>
             </a:r>
+            <a:endParaRPr lang="ru-RU" b="1" i="0" dirty="0">
+              <a:solidFill>
+                <a:srgbClr val="111111"/>
+              </a:solidFill>
+              <a:effectLst/>
+              <a:latin typeface="-apple-system"/>
+            </a:endParaRPr>
           </a:p>
           <a:p>
             <a:pPr algn="l">
@@ -5486,6 +5137,13 @@
               </a:rPr>
               <a:t>JSON — текстовый формат обмена данными;</a:t>
             </a:r>
+            <a:endParaRPr lang="ru-RU" b="1" i="0" dirty="0">
+              <a:solidFill>
+                <a:srgbClr val="111111"/>
+              </a:solidFill>
+              <a:effectLst/>
+              <a:latin typeface="-apple-system"/>
+            </a:endParaRPr>
           </a:p>
           <a:p>
             <a:pPr algn="l">
@@ -5512,24 +5170,25 @@
               </a:rPr>
               <a:t> — бинарный формат.</a:t>
             </a:r>
-          </a:p>
-          <a:p>
-            <a:endParaRPr lang="en-US" dirty="0"/>
-          </a:p>
-          <a:p>
-            <a:endParaRPr lang="ru-BY" dirty="0"/>
-          </a:p>
-        </p:txBody>
-      </p:sp>
-      <p:sp>
-        <p:nvSpPr>
-          <p:cNvPr id="5" name="Дата 4">
-            <a:extLst>
-              <a:ext uri="{FF2B5EF4-FFF2-40B4-BE49-F238E27FC236}">
-                <a16:creationId xmlns:a16="http://schemas.microsoft.com/office/drawing/2014/main" id="{E3ED308F-1C6D-4737-A016-66B9FAAC9A20}"/>
-              </a:ext>
-            </a:extLst>
-          </p:cNvPr>
+            <a:endParaRPr lang="ru-RU" b="0" i="0" dirty="0">
+              <a:solidFill>
+                <a:srgbClr val="111111"/>
+              </a:solidFill>
+              <a:effectLst/>
+              <a:latin typeface="-apple-system"/>
+            </a:endParaRPr>
+          </a:p>
+          <a:p>
+            <a:endParaRPr lang="en-US" dirty="0"/>
+          </a:p>
+          <a:p>
+            <a:endParaRPr lang="en-US" dirty="0"/>
+          </a:p>
+        </p:txBody>
+      </p:sp>
+      <p:sp>
+        <p:nvSpPr>
+          <p:cNvPr id="5" name="Дата 4"/>
           <p:cNvSpPr>
             <a:spLocks noGrp="1"/>
           </p:cNvSpPr>
@@ -5545,18 +5204,12 @@
             <a:pPr rtl="0"/>
             <a:fld id="{FD0FAC8F-653F-479B-B209-9F30C9091843}" type="datetime1">
               <a:rPr lang="ru-RU" smtClean="0"/>
-              <a:t>10.05.2022</a:t>
             </a:fld>
             <a:endParaRPr lang="en-US" dirty="0"/>
           </a:p>
         </p:txBody>
       </p:sp>
     </p:spTree>
-    <p:extLst>
-      <p:ext uri="{BB962C8B-B14F-4D97-AF65-F5344CB8AC3E}">
-        <p14:creationId xmlns:p14="http://schemas.microsoft.com/office/powerpoint/2010/main" val="2789254932"/>
-      </p:ext>
-    </p:extLst>
   </p:cSld>
   <p:clrMapOvr>
     <a:masterClrMapping/>
@@ -5583,13 +5236,7 @@
       </p:grpSpPr>
       <p:sp>
         <p:nvSpPr>
-          <p:cNvPr id="2" name="Заголовок 1">
-            <a:extLst>
-              <a:ext uri="{FF2B5EF4-FFF2-40B4-BE49-F238E27FC236}">
-                <a16:creationId xmlns:a16="http://schemas.microsoft.com/office/drawing/2014/main" id="{B21D6EEF-474B-4CAD-A19C-903E50AB2AD4}"/>
-              </a:ext>
-            </a:extLst>
-          </p:cNvPr>
+          <p:cNvPr id="2" name="Заголовок 1"/>
           <p:cNvSpPr>
             <a:spLocks noGrp="1"/>
           </p:cNvSpPr>
@@ -5610,19 +5257,13 @@
               <a:rPr lang="en-US" dirty="0"/>
               <a:t>REST?</a:t>
             </a:r>
-            <a:endParaRPr lang="ru-BY" dirty="0"/>
-          </a:p>
-        </p:txBody>
-      </p:sp>
-      <p:sp>
-        <p:nvSpPr>
-          <p:cNvPr id="3" name="Объект 2">
-            <a:extLst>
-              <a:ext uri="{FF2B5EF4-FFF2-40B4-BE49-F238E27FC236}">
-                <a16:creationId xmlns:a16="http://schemas.microsoft.com/office/drawing/2014/main" id="{7443A9B0-409B-4870-A568-7A99D0AD20FF}"/>
-              </a:ext>
-            </a:extLst>
-          </p:cNvPr>
+            <a:endParaRPr lang="en-US" dirty="0"/>
+          </a:p>
+        </p:txBody>
+      </p:sp>
+      <p:sp>
+        <p:nvSpPr>
+          <p:cNvPr id="3" name="Объект 2"/>
           <p:cNvSpPr>
             <a:spLocks noGrp="1"/>
           </p:cNvSpPr>
@@ -5694,19 +5335,13 @@
               </a:rPr>
               <a:t>– это набор согласованных ограничений и принципов проектирования, позволяющий добиться определённых свойств системы.</a:t>
             </a:r>
-            <a:endParaRPr lang="ru-BY" dirty="0"/>
-          </a:p>
-        </p:txBody>
-      </p:sp>
-      <p:sp>
-        <p:nvSpPr>
-          <p:cNvPr id="4" name="Дата 3">
-            <a:extLst>
-              <a:ext uri="{FF2B5EF4-FFF2-40B4-BE49-F238E27FC236}">
-                <a16:creationId xmlns:a16="http://schemas.microsoft.com/office/drawing/2014/main" id="{5E66034E-0814-4CD0-837B-D5F034F1E57C}"/>
-              </a:ext>
-            </a:extLst>
-          </p:cNvPr>
+            <a:endParaRPr lang="en-US" dirty="0"/>
+          </a:p>
+        </p:txBody>
+      </p:sp>
+      <p:sp>
+        <p:nvSpPr>
+          <p:cNvPr id="4" name="Дата 3"/>
           <p:cNvSpPr>
             <a:spLocks noGrp="1"/>
           </p:cNvSpPr>
@@ -5722,18 +5357,12 @@
             <a:pPr rtl="0"/>
             <a:fld id="{BE289488-0C23-4DC8-A9FA-240659547385}" type="datetime1">
               <a:rPr lang="ru-RU" smtClean="0"/>
-              <a:t>10.05.2022</a:t>
             </a:fld>
             <a:endParaRPr lang="en-US" dirty="0"/>
           </a:p>
         </p:txBody>
       </p:sp>
     </p:spTree>
-    <p:extLst>
-      <p:ext uri="{BB962C8B-B14F-4D97-AF65-F5344CB8AC3E}">
-        <p14:creationId xmlns:p14="http://schemas.microsoft.com/office/powerpoint/2010/main" val="1060635669"/>
-      </p:ext>
-    </p:extLst>
   </p:cSld>
   <p:clrMapOvr>
     <a:masterClrMapping/>
@@ -5760,13 +5389,7 @@
       </p:grpSpPr>
       <p:sp>
         <p:nvSpPr>
-          <p:cNvPr id="2" name="Заголовок 1">
-            <a:extLst>
-              <a:ext uri="{FF2B5EF4-FFF2-40B4-BE49-F238E27FC236}">
-                <a16:creationId xmlns:a16="http://schemas.microsoft.com/office/drawing/2014/main" id="{28AD1AAB-82EC-42D9-B11A-870B94ADDDD1}"/>
-              </a:ext>
-            </a:extLst>
-          </p:cNvPr>
+          <p:cNvPr id="2" name="Заголовок 1"/>
           <p:cNvSpPr>
             <a:spLocks noGrp="1"/>
           </p:cNvSpPr>
@@ -5787,19 +5410,13 @@
               <a:rPr lang="en-US" dirty="0"/>
               <a:t>REST</a:t>
             </a:r>
-            <a:endParaRPr lang="ru-BY" dirty="0"/>
-          </a:p>
-        </p:txBody>
-      </p:sp>
-      <p:sp>
-        <p:nvSpPr>
-          <p:cNvPr id="3" name="Объект 2">
-            <a:extLst>
-              <a:ext uri="{FF2B5EF4-FFF2-40B4-BE49-F238E27FC236}">
-                <a16:creationId xmlns:a16="http://schemas.microsoft.com/office/drawing/2014/main" id="{97F79F66-D3EE-46A1-8D88-4D562D314C10}"/>
-              </a:ext>
-            </a:extLst>
-          </p:cNvPr>
+            <a:endParaRPr lang="en-US" dirty="0"/>
+          </a:p>
+        </p:txBody>
+      </p:sp>
+      <p:sp>
+        <p:nvSpPr>
+          <p:cNvPr id="3" name="Объект 2"/>
           <p:cNvSpPr>
             <a:spLocks noGrp="1"/>
           </p:cNvSpPr>
@@ -5826,6 +5443,13 @@
               </a:rPr>
               <a:t>Производительность,</a:t>
             </a:r>
+            <a:endParaRPr lang="ru-RU" b="0" i="0" dirty="0">
+              <a:solidFill>
+                <a:srgbClr val="111111"/>
+              </a:solidFill>
+              <a:effectLst/>
+              <a:latin typeface="-apple-system"/>
+            </a:endParaRPr>
           </a:p>
           <a:p>
             <a:pPr algn="l">
@@ -5842,6 +5466,13 @@
               </a:rPr>
               <a:t>Масштабируемость,</a:t>
             </a:r>
+            <a:endParaRPr lang="ru-RU" b="0" i="0" dirty="0">
+              <a:solidFill>
+                <a:srgbClr val="111111"/>
+              </a:solidFill>
+              <a:effectLst/>
+              <a:latin typeface="-apple-system"/>
+            </a:endParaRPr>
           </a:p>
           <a:p>
             <a:pPr algn="l">
@@ -5858,6 +5489,13 @@
               </a:rPr>
               <a:t>Гибкость к изменениям,</a:t>
             </a:r>
+            <a:endParaRPr lang="ru-RU" b="0" i="0" dirty="0">
+              <a:solidFill>
+                <a:srgbClr val="111111"/>
+              </a:solidFill>
+              <a:effectLst/>
+              <a:latin typeface="-apple-system"/>
+            </a:endParaRPr>
           </a:p>
           <a:p>
             <a:pPr algn="l">
@@ -5874,6 +5512,13 @@
               </a:rPr>
               <a:t>Отказоустойчивость,</a:t>
             </a:r>
+            <a:endParaRPr lang="ru-RU" b="0" i="0" dirty="0">
+              <a:solidFill>
+                <a:srgbClr val="111111"/>
+              </a:solidFill>
+              <a:effectLst/>
+              <a:latin typeface="-apple-system"/>
+            </a:endParaRPr>
           </a:p>
           <a:p>
             <a:pPr algn="l">
@@ -5890,18 +5535,19 @@
               </a:rPr>
               <a:t>Простота поддержки.</a:t>
             </a:r>
-          </a:p>
-        </p:txBody>
-      </p:sp>
-      <p:sp>
-        <p:nvSpPr>
-          <p:cNvPr id="4" name="Дата 3">
-            <a:extLst>
-              <a:ext uri="{FF2B5EF4-FFF2-40B4-BE49-F238E27FC236}">
-                <a16:creationId xmlns:a16="http://schemas.microsoft.com/office/drawing/2014/main" id="{61A84C6D-6614-48F8-BC41-CC55B219F46D}"/>
-              </a:ext>
-            </a:extLst>
-          </p:cNvPr>
+            <a:endParaRPr lang="ru-RU" b="0" i="0" dirty="0">
+              <a:solidFill>
+                <a:srgbClr val="111111"/>
+              </a:solidFill>
+              <a:effectLst/>
+              <a:latin typeface="-apple-system"/>
+            </a:endParaRPr>
+          </a:p>
+        </p:txBody>
+      </p:sp>
+      <p:sp>
+        <p:nvSpPr>
+          <p:cNvPr id="4" name="Дата 3"/>
           <p:cNvSpPr>
             <a:spLocks noGrp="1"/>
           </p:cNvSpPr>
@@ -5917,18 +5563,12 @@
             <a:pPr rtl="0"/>
             <a:fld id="{BE289488-0C23-4DC8-A9FA-240659547385}" type="datetime1">
               <a:rPr lang="ru-RU" smtClean="0"/>
-              <a:t>10.05.2022</a:t>
             </a:fld>
             <a:endParaRPr lang="en-US" dirty="0"/>
           </a:p>
         </p:txBody>
       </p:sp>
     </p:spTree>
-    <p:extLst>
-      <p:ext uri="{BB962C8B-B14F-4D97-AF65-F5344CB8AC3E}">
-        <p14:creationId xmlns:p14="http://schemas.microsoft.com/office/powerpoint/2010/main" val="1089333210"/>
-      </p:ext>
-    </p:extLst>
   </p:cSld>
   <p:clrMapOvr>
     <a:masterClrMapping/>
@@ -5955,13 +5595,7 @@
       </p:grpSpPr>
       <p:sp>
         <p:nvSpPr>
-          <p:cNvPr id="2" name="Заголовок 1">
-            <a:extLst>
-              <a:ext uri="{FF2B5EF4-FFF2-40B4-BE49-F238E27FC236}">
-                <a16:creationId xmlns:a16="http://schemas.microsoft.com/office/drawing/2014/main" id="{F82D3CA3-1604-4061-AFC1-BC8E7C0E33A6}"/>
-              </a:ext>
-            </a:extLst>
-          </p:cNvPr>
+          <p:cNvPr id="2" name="Заголовок 1"/>
           <p:cNvSpPr>
             <a:spLocks noGrp="1"/>
           </p:cNvSpPr>
@@ -5982,19 +5616,13 @@
               <a:rPr lang="en-US" dirty="0"/>
               <a:t>REST</a:t>
             </a:r>
-            <a:endParaRPr lang="ru-BY" dirty="0"/>
-          </a:p>
-        </p:txBody>
-      </p:sp>
-      <p:sp>
-        <p:nvSpPr>
-          <p:cNvPr id="3" name="Объект 2">
-            <a:extLst>
-              <a:ext uri="{FF2B5EF4-FFF2-40B4-BE49-F238E27FC236}">
-                <a16:creationId xmlns:a16="http://schemas.microsoft.com/office/drawing/2014/main" id="{2BECEACF-68C8-4F3D-8E73-28AB3141A9DB}"/>
-              </a:ext>
-            </a:extLst>
-          </p:cNvPr>
+            <a:endParaRPr lang="en-US" dirty="0"/>
+          </a:p>
+        </p:txBody>
+      </p:sp>
+      <p:sp>
+        <p:nvSpPr>
+          <p:cNvPr id="3" name="Объект 2"/>
           <p:cNvSpPr>
             <a:spLocks noGrp="1"/>
           </p:cNvSpPr>
@@ -6021,6 +5649,13 @@
               </a:rPr>
               <a:t>Клиент-серверная архитектура</a:t>
             </a:r>
+            <a:endParaRPr lang="ru-RU" b="0" i="0" dirty="0">
+              <a:solidFill>
+                <a:srgbClr val="111111"/>
+              </a:solidFill>
+              <a:effectLst/>
+              <a:latin typeface="-apple-system"/>
+            </a:endParaRPr>
           </a:p>
           <a:p>
             <a:pPr algn="l">
@@ -6037,6 +5672,13 @@
               </a:rPr>
               <a:t>Stateless</a:t>
             </a:r>
+            <a:endParaRPr lang="en-US" b="0" i="0" dirty="0">
+              <a:solidFill>
+                <a:srgbClr val="111111"/>
+              </a:solidFill>
+              <a:effectLst/>
+              <a:latin typeface="-apple-system"/>
+            </a:endParaRPr>
           </a:p>
           <a:p>
             <a:pPr algn="l">
@@ -6053,6 +5695,13 @@
               </a:rPr>
               <a:t>Кэширование</a:t>
             </a:r>
+            <a:endParaRPr lang="ru-RU" b="0" i="0" dirty="0">
+              <a:solidFill>
+                <a:srgbClr val="111111"/>
+              </a:solidFill>
+              <a:effectLst/>
+              <a:latin typeface="-apple-system"/>
+            </a:endParaRPr>
           </a:p>
           <a:p>
             <a:pPr algn="l">
@@ -6069,6 +5718,13 @@
               </a:rPr>
               <a:t>Единообразие интерфейса</a:t>
             </a:r>
+            <a:endParaRPr lang="ru-RU" b="0" i="0" dirty="0">
+              <a:solidFill>
+                <a:srgbClr val="111111"/>
+              </a:solidFill>
+              <a:effectLst/>
+              <a:latin typeface="-apple-system"/>
+            </a:endParaRPr>
           </a:p>
           <a:p>
             <a:pPr algn="l">
@@ -6085,6 +5741,13 @@
               </a:rPr>
               <a:t>Layered system</a:t>
             </a:r>
+            <a:endParaRPr lang="en-US" b="0" i="0" dirty="0">
+              <a:solidFill>
+                <a:srgbClr val="111111"/>
+              </a:solidFill>
+              <a:effectLst/>
+              <a:latin typeface="-apple-system"/>
+            </a:endParaRPr>
           </a:p>
           <a:p>
             <a:pPr algn="l">
@@ -6101,21 +5764,22 @@
               </a:rPr>
               <a:t>Code on demand</a:t>
             </a:r>
-          </a:p>
-          <a:p>
-            <a:endParaRPr lang="ru-BY" dirty="0"/>
-          </a:p>
-        </p:txBody>
-      </p:sp>
-      <p:sp>
-        <p:nvSpPr>
-          <p:cNvPr id="4" name="Дата 3">
-            <a:extLst>
-              <a:ext uri="{FF2B5EF4-FFF2-40B4-BE49-F238E27FC236}">
-                <a16:creationId xmlns:a16="http://schemas.microsoft.com/office/drawing/2014/main" id="{DC2815A6-ECA6-4573-96AD-A70194046F23}"/>
-              </a:ext>
-            </a:extLst>
-          </p:cNvPr>
+            <a:endParaRPr lang="en-US" b="0" i="0" dirty="0">
+              <a:solidFill>
+                <a:srgbClr val="111111"/>
+              </a:solidFill>
+              <a:effectLst/>
+              <a:latin typeface="-apple-system"/>
+            </a:endParaRPr>
+          </a:p>
+          <a:p>
+            <a:endParaRPr lang="en-US" dirty="0"/>
+          </a:p>
+        </p:txBody>
+      </p:sp>
+      <p:sp>
+        <p:nvSpPr>
+          <p:cNvPr id="4" name="Дата 3"/>
           <p:cNvSpPr>
             <a:spLocks noGrp="1"/>
           </p:cNvSpPr>
@@ -6131,18 +5795,12 @@
             <a:pPr rtl="0"/>
             <a:fld id="{BE289488-0C23-4DC8-A9FA-240659547385}" type="datetime1">
               <a:rPr lang="ru-RU" smtClean="0"/>
-              <a:t>10.05.2022</a:t>
             </a:fld>
             <a:endParaRPr lang="en-US" dirty="0"/>
           </a:p>
         </p:txBody>
       </p:sp>
     </p:spTree>
-    <p:extLst>
-      <p:ext uri="{BB962C8B-B14F-4D97-AF65-F5344CB8AC3E}">
-        <p14:creationId xmlns:p14="http://schemas.microsoft.com/office/powerpoint/2010/main" val="413704858"/>
-      </p:ext>
-    </p:extLst>
   </p:cSld>
   <p:clrMapOvr>
     <a:masterClrMapping/>
@@ -6169,13 +5827,7 @@
       </p:grpSpPr>
       <p:sp>
         <p:nvSpPr>
-          <p:cNvPr id="2" name="Заголовок 1">
-            <a:extLst>
-              <a:ext uri="{FF2B5EF4-FFF2-40B4-BE49-F238E27FC236}">
-                <a16:creationId xmlns:a16="http://schemas.microsoft.com/office/drawing/2014/main" id="{5F9B286B-A31D-49AF-BEF3-8687FC7A6711}"/>
-              </a:ext>
-            </a:extLst>
-          </p:cNvPr>
+          <p:cNvPr id="2" name="Заголовок 1"/>
           <p:cNvSpPr>
             <a:spLocks noGrp="1"/>
           </p:cNvSpPr>
@@ -6196,19 +5848,13 @@
               <a:rPr lang="en-US" dirty="0"/>
               <a:t>SOAP?</a:t>
             </a:r>
-            <a:endParaRPr lang="ru-BY" dirty="0"/>
-          </a:p>
-        </p:txBody>
-      </p:sp>
-      <p:sp>
-        <p:nvSpPr>
-          <p:cNvPr id="3" name="Объект 2">
-            <a:extLst>
-              <a:ext uri="{FF2B5EF4-FFF2-40B4-BE49-F238E27FC236}">
-                <a16:creationId xmlns:a16="http://schemas.microsoft.com/office/drawing/2014/main" id="{D2AB33DF-40C3-42D1-97F9-590563563DC2}"/>
-              </a:ext>
-            </a:extLst>
-          </p:cNvPr>
+            <a:endParaRPr lang="en-US" dirty="0"/>
+          </a:p>
+        </p:txBody>
+      </p:sp>
+      <p:sp>
+        <p:nvSpPr>
+          <p:cNvPr id="3" name="Объект 2"/>
           <p:cNvSpPr>
             <a:spLocks noGrp="1"/>
           </p:cNvSpPr>
@@ -6285,19 +5931,13 @@
               </a:rPr>
               <a:t>.</a:t>
             </a:r>
-            <a:endParaRPr lang="ru-BY" dirty="0"/>
-          </a:p>
-        </p:txBody>
-      </p:sp>
-      <p:sp>
-        <p:nvSpPr>
-          <p:cNvPr id="4" name="Дата 3">
-            <a:extLst>
-              <a:ext uri="{FF2B5EF4-FFF2-40B4-BE49-F238E27FC236}">
-                <a16:creationId xmlns:a16="http://schemas.microsoft.com/office/drawing/2014/main" id="{8D8CC789-A7F7-4E5B-B669-8EEEDAC38394}"/>
-              </a:ext>
-            </a:extLst>
-          </p:cNvPr>
+            <a:endParaRPr lang="en-US" dirty="0"/>
+          </a:p>
+        </p:txBody>
+      </p:sp>
+      <p:sp>
+        <p:nvSpPr>
+          <p:cNvPr id="4" name="Дата 3"/>
           <p:cNvSpPr>
             <a:spLocks noGrp="1"/>
           </p:cNvSpPr>
@@ -6313,18 +5953,12 @@
             <a:pPr rtl="0"/>
             <a:fld id="{BE289488-0C23-4DC8-A9FA-240659547385}" type="datetime1">
               <a:rPr lang="ru-RU" smtClean="0"/>
-              <a:t>10.05.2022</a:t>
             </a:fld>
             <a:endParaRPr lang="en-US" dirty="0"/>
           </a:p>
         </p:txBody>
       </p:sp>
     </p:spTree>
-    <p:extLst>
-      <p:ext uri="{BB962C8B-B14F-4D97-AF65-F5344CB8AC3E}">
-        <p14:creationId xmlns:p14="http://schemas.microsoft.com/office/powerpoint/2010/main" val="997787472"/>
-      </p:ext>
-    </p:extLst>
   </p:cSld>
   <p:clrMapOvr>
     <a:masterClrMapping/>
@@ -6351,13 +5985,7 @@
       </p:grpSpPr>
       <p:sp>
         <p:nvSpPr>
-          <p:cNvPr id="2" name="Заголовок 1">
-            <a:extLst>
-              <a:ext uri="{FF2B5EF4-FFF2-40B4-BE49-F238E27FC236}">
-                <a16:creationId xmlns:a16="http://schemas.microsoft.com/office/drawing/2014/main" id="{2D313154-F358-4C9F-90C9-0C8579192267}"/>
-              </a:ext>
-            </a:extLst>
-          </p:cNvPr>
+          <p:cNvPr id="2" name="Заголовок 1"/>
           <p:cNvSpPr>
             <a:spLocks noGrp="1"/>
           </p:cNvSpPr>
@@ -6374,19 +6002,13 @@
               <a:rPr lang="ru-RU" dirty="0"/>
               <a:t>Структура веб-страницы</a:t>
             </a:r>
-            <a:endParaRPr lang="ru-BY" dirty="0"/>
-          </a:p>
-        </p:txBody>
-      </p:sp>
-      <p:sp>
-        <p:nvSpPr>
-          <p:cNvPr id="3" name="Объект 2">
-            <a:extLst>
-              <a:ext uri="{FF2B5EF4-FFF2-40B4-BE49-F238E27FC236}">
-                <a16:creationId xmlns:a16="http://schemas.microsoft.com/office/drawing/2014/main" id="{65F3C132-C4DA-4BA6-B013-AE7815782C4C}"/>
-              </a:ext>
-            </a:extLst>
-          </p:cNvPr>
+            <a:endParaRPr lang="en-US" dirty="0"/>
+          </a:p>
+        </p:txBody>
+      </p:sp>
+      <p:sp>
+        <p:nvSpPr>
+          <p:cNvPr id="3" name="Объект 2"/>
           <p:cNvSpPr>
             <a:spLocks noGrp="1"/>
           </p:cNvSpPr>
@@ -6499,6 +6121,12 @@
               </a:rPr>
               <a:t>.</a:t>
             </a:r>
+            <a:endParaRPr lang="en-US" dirty="0">
+              <a:solidFill>
+                <a:srgbClr val="000000"/>
+              </a:solidFill>
+              <a:latin typeface="Roboto" panose="02000000000000000000" pitchFamily="2" charset="0"/>
+            </a:endParaRPr>
           </a:p>
           <a:p>
             <a:pPr algn="just"/>
@@ -6565,19 +6193,13 @@
             </a:endParaRPr>
           </a:p>
           <a:p>
-            <a:endParaRPr lang="ru-BY" dirty="0"/>
-          </a:p>
-        </p:txBody>
-      </p:sp>
-      <p:sp>
-        <p:nvSpPr>
-          <p:cNvPr id="4" name="Дата 3">
-            <a:extLst>
-              <a:ext uri="{FF2B5EF4-FFF2-40B4-BE49-F238E27FC236}">
-                <a16:creationId xmlns:a16="http://schemas.microsoft.com/office/drawing/2014/main" id="{B1068E24-1248-4354-B61E-BCEDAE0B18C3}"/>
-              </a:ext>
-            </a:extLst>
-          </p:cNvPr>
+            <a:endParaRPr lang="en-US" dirty="0"/>
+          </a:p>
+        </p:txBody>
+      </p:sp>
+      <p:sp>
+        <p:nvSpPr>
+          <p:cNvPr id="4" name="Дата 3"/>
           <p:cNvSpPr>
             <a:spLocks noGrp="1"/>
           </p:cNvSpPr>
@@ -6593,18 +6215,12 @@
             <a:pPr rtl="0"/>
             <a:fld id="{BE289488-0C23-4DC8-A9FA-240659547385}" type="datetime1">
               <a:rPr lang="ru-RU" smtClean="0"/>
-              <a:t>10.05.2022</a:t>
             </a:fld>
             <a:endParaRPr lang="en-US" dirty="0"/>
           </a:p>
         </p:txBody>
       </p:sp>
     </p:spTree>
-    <p:extLst>
-      <p:ext uri="{BB962C8B-B14F-4D97-AF65-F5344CB8AC3E}">
-        <p14:creationId xmlns:p14="http://schemas.microsoft.com/office/powerpoint/2010/main" val="3273533959"/>
-      </p:ext>
-    </p:extLst>
   </p:cSld>
   <p:clrMapOvr>
     <a:masterClrMapping/>
@@ -6631,13 +6247,7 @@
       </p:grpSpPr>
       <p:sp>
         <p:nvSpPr>
-          <p:cNvPr id="2" name="Заголовок 1">
-            <a:extLst>
-              <a:ext uri="{FF2B5EF4-FFF2-40B4-BE49-F238E27FC236}">
-                <a16:creationId xmlns:a16="http://schemas.microsoft.com/office/drawing/2014/main" id="{7172EEEB-DE6B-43FA-814C-2DFA6C83324B}"/>
-              </a:ext>
-            </a:extLst>
-          </p:cNvPr>
+          <p:cNvPr id="2" name="Заголовок 1"/>
           <p:cNvSpPr>
             <a:spLocks noGrp="1"/>
           </p:cNvSpPr>
@@ -6654,19 +6264,13 @@
               <a:rPr lang="ru-RU" dirty="0"/>
               <a:t>Что это такое?</a:t>
             </a:r>
-            <a:endParaRPr lang="ru-BY" dirty="0"/>
-          </a:p>
-        </p:txBody>
-      </p:sp>
-      <p:sp>
-        <p:nvSpPr>
-          <p:cNvPr id="3" name="Объект 2">
-            <a:extLst>
-              <a:ext uri="{FF2B5EF4-FFF2-40B4-BE49-F238E27FC236}">
-                <a16:creationId xmlns:a16="http://schemas.microsoft.com/office/drawing/2014/main" id="{021F62DB-D457-44EC-A249-E0A6E8CA9B51}"/>
-              </a:ext>
-            </a:extLst>
-          </p:cNvPr>
+            <a:endParaRPr lang="en-US" dirty="0"/>
+          </a:p>
+        </p:txBody>
+      </p:sp>
+      <p:sp>
+        <p:nvSpPr>
+          <p:cNvPr id="3" name="Объект 2"/>
           <p:cNvSpPr>
             <a:spLocks noGrp="1"/>
           </p:cNvSpPr>
@@ -6723,6 +6327,7 @@
               <a:rPr lang="ru-RU" dirty="0"/>
               <a:t>, называемыми клиентами. </a:t>
             </a:r>
+            <a:endParaRPr lang="ru-RU" dirty="0"/>
           </a:p>
           <a:p>
             <a:pPr marL="0" indent="0">
@@ -6850,7 +6455,7 @@
               </a:rPr>
               <a:t> </a:t>
             </a:r>
-            <a:endParaRPr lang="ru-BY" dirty="0">
+            <a:endParaRPr lang="en-US" dirty="0">
               <a:solidFill>
                 <a:schemeClr val="tx1"/>
               </a:solidFill>
@@ -6860,13 +6465,7 @@
       </p:sp>
       <p:sp>
         <p:nvSpPr>
-          <p:cNvPr id="4" name="Дата 3">
-            <a:extLst>
-              <a:ext uri="{FF2B5EF4-FFF2-40B4-BE49-F238E27FC236}">
-                <a16:creationId xmlns:a16="http://schemas.microsoft.com/office/drawing/2014/main" id="{74CD28A9-E09B-4E03-A6AE-6BBCDA979A4C}"/>
-              </a:ext>
-            </a:extLst>
-          </p:cNvPr>
+          <p:cNvPr id="4" name="Дата 3"/>
           <p:cNvSpPr>
             <a:spLocks noGrp="1"/>
           </p:cNvSpPr>
@@ -6882,18 +6481,12 @@
             <a:pPr rtl="0"/>
             <a:fld id="{BE289488-0C23-4DC8-A9FA-240659547385}" type="datetime1">
               <a:rPr lang="ru-RU" smtClean="0"/>
-              <a:t>10.05.2022</a:t>
             </a:fld>
             <a:endParaRPr lang="en-US" dirty="0"/>
           </a:p>
         </p:txBody>
       </p:sp>
     </p:spTree>
-    <p:extLst>
-      <p:ext uri="{BB962C8B-B14F-4D97-AF65-F5344CB8AC3E}">
-        <p14:creationId xmlns:p14="http://schemas.microsoft.com/office/powerpoint/2010/main" val="1106246134"/>
-      </p:ext>
-    </p:extLst>
   </p:cSld>
   <p:clrMapOvr>
     <a:masterClrMapping/>
@@ -6920,13 +6513,7 @@
       </p:grpSpPr>
       <p:sp>
         <p:nvSpPr>
-          <p:cNvPr id="2" name="Заголовок 1">
-            <a:extLst>
-              <a:ext uri="{FF2B5EF4-FFF2-40B4-BE49-F238E27FC236}">
-                <a16:creationId xmlns:a16="http://schemas.microsoft.com/office/drawing/2014/main" id="{47A43BBE-94DC-4222-B78B-38B724B097E1}"/>
-              </a:ext>
-            </a:extLst>
-          </p:cNvPr>
+          <p:cNvPr id="2" name="Заголовок 1"/>
           <p:cNvSpPr>
             <a:spLocks noGrp="1"/>
           </p:cNvSpPr>
@@ -6943,19 +6530,13 @@
               <a:rPr lang="en-US" dirty="0"/>
               <a:t>NOTA BENE</a:t>
             </a:r>
-            <a:endParaRPr lang="ru-BY" dirty="0"/>
-          </a:p>
-        </p:txBody>
-      </p:sp>
-      <p:sp>
-        <p:nvSpPr>
-          <p:cNvPr id="3" name="Объект 2">
-            <a:extLst>
-              <a:ext uri="{FF2B5EF4-FFF2-40B4-BE49-F238E27FC236}">
-                <a16:creationId xmlns:a16="http://schemas.microsoft.com/office/drawing/2014/main" id="{78F18FE3-6607-4DE9-BBE6-0A33BFDE1EBC}"/>
-              </a:ext>
-            </a:extLst>
-          </p:cNvPr>
+            <a:endParaRPr lang="en-US" dirty="0"/>
+          </a:p>
+        </p:txBody>
+      </p:sp>
+      <p:sp>
+        <p:nvSpPr>
+          <p:cNvPr id="3" name="Объект 2"/>
           <p:cNvSpPr>
             <a:spLocks noGrp="1"/>
           </p:cNvSpPr>
@@ -6992,8 +6573,6 @@
               </a:rPr>
               <a:t> или лучше сборку и настроить(!!!)</a:t>
             </a:r>
-          </a:p>
-          <a:p>
             <a:endParaRPr lang="ru-RU" dirty="0">
               <a:solidFill>
                 <a:srgbClr val="FF0000"/>
@@ -7001,47 +6580,53 @@
             </a:endParaRPr>
           </a:p>
           <a:p>
-            <a:r>
-              <a:rPr lang="ru-RU" dirty="0">
-                <a:solidFill>
-                  <a:srgbClr val="FF0000"/>
-                </a:solidFill>
-              </a:rPr>
-              <a:t>Пример готовых сборок – </a:t>
-            </a:r>
-            <a:r>
-              <a:rPr lang="en-US" dirty="0">
-                <a:solidFill>
-                  <a:srgbClr val="FF0000"/>
-                </a:solidFill>
-              </a:rPr>
-              <a:t>XAMPP</a:t>
-            </a:r>
-          </a:p>
-          <a:p>
-            <a:r>
-              <a:rPr lang="en-US" dirty="0">
-                <a:hlinkClick r:id="rId2"/>
-              </a:rPr>
-              <a:t>XAMPP Installers and Downloads for Apache Friends</a:t>
-            </a:r>
-            <a:endParaRPr lang="ru-BY" dirty="0">
+            <a:endParaRPr lang="ru-RU" dirty="0">
               <a:solidFill>
                 <a:srgbClr val="FF0000"/>
               </a:solidFill>
             </a:endParaRPr>
           </a:p>
-        </p:txBody>
-      </p:sp>
-      <p:sp>
-        <p:nvSpPr>
-          <p:cNvPr id="4" name="Дата 3">
-            <a:extLst>
-              <a:ext uri="{FF2B5EF4-FFF2-40B4-BE49-F238E27FC236}">
-                <a16:creationId xmlns:a16="http://schemas.microsoft.com/office/drawing/2014/main" id="{DC559A8E-1955-4735-879E-231A2C327594}"/>
-              </a:ext>
-            </a:extLst>
-          </p:cNvPr>
+          <a:p>
+            <a:r>
+              <a:rPr lang="ru-RU" dirty="0">
+                <a:solidFill>
+                  <a:srgbClr val="FF0000"/>
+                </a:solidFill>
+              </a:rPr>
+              <a:t>Пример готовых сборок – </a:t>
+            </a:r>
+            <a:r>
+              <a:rPr lang="en-US" dirty="0">
+                <a:solidFill>
+                  <a:srgbClr val="FF0000"/>
+                </a:solidFill>
+              </a:rPr>
+              <a:t>XAMPP</a:t>
+            </a:r>
+            <a:endParaRPr lang="en-US" dirty="0">
+              <a:solidFill>
+                <a:srgbClr val="FF0000"/>
+              </a:solidFill>
+            </a:endParaRPr>
+          </a:p>
+          <a:p>
+            <a:r>
+              <a:rPr lang="en-US" dirty="0">
+                <a:hlinkClick r:id="rId1"/>
+              </a:rPr>
+              <a:t>XAMPP Installers and Downloads for Apache Friends</a:t>
+            </a:r>
+            <a:endParaRPr lang="en-US" dirty="0">
+              <a:solidFill>
+                <a:srgbClr val="FF0000"/>
+              </a:solidFill>
+            </a:endParaRPr>
+          </a:p>
+        </p:txBody>
+      </p:sp>
+      <p:sp>
+        <p:nvSpPr>
+          <p:cNvPr id="4" name="Дата 3"/>
           <p:cNvSpPr>
             <a:spLocks noGrp="1"/>
           </p:cNvSpPr>
@@ -7057,18 +6642,12 @@
             <a:pPr rtl="0"/>
             <a:fld id="{BE289488-0C23-4DC8-A9FA-240659547385}" type="datetime1">
               <a:rPr lang="ru-RU" smtClean="0"/>
-              <a:t>10.05.2022</a:t>
             </a:fld>
             <a:endParaRPr lang="en-US" dirty="0"/>
           </a:p>
         </p:txBody>
       </p:sp>
     </p:spTree>
-    <p:extLst>
-      <p:ext uri="{BB962C8B-B14F-4D97-AF65-F5344CB8AC3E}">
-        <p14:creationId xmlns:p14="http://schemas.microsoft.com/office/powerpoint/2010/main" val="2733885961"/>
-      </p:ext>
-    </p:extLst>
   </p:cSld>
   <p:clrMapOvr>
     <a:masterClrMapping/>
@@ -7095,13 +6674,7 @@
       </p:grpSpPr>
       <p:sp>
         <p:nvSpPr>
-          <p:cNvPr id="2" name="Заголовок 1">
-            <a:extLst>
-              <a:ext uri="{FF2B5EF4-FFF2-40B4-BE49-F238E27FC236}">
-                <a16:creationId xmlns:a16="http://schemas.microsoft.com/office/drawing/2014/main" id="{2F13E35D-18E9-49CE-8C3E-9165D97BBABB}"/>
-              </a:ext>
-            </a:extLst>
-          </p:cNvPr>
+          <p:cNvPr id="2" name="Заголовок 1"/>
           <p:cNvSpPr>
             <a:spLocks noGrp="1"/>
           </p:cNvSpPr>
@@ -7118,19 +6691,13 @@
               <a:rPr lang="ru-RU" dirty="0"/>
               <a:t>Клиент</a:t>
             </a:r>
-            <a:endParaRPr lang="ru-BY" dirty="0"/>
-          </a:p>
-        </p:txBody>
-      </p:sp>
-      <p:sp>
-        <p:nvSpPr>
-          <p:cNvPr id="3" name="Объект 2">
-            <a:extLst>
-              <a:ext uri="{FF2B5EF4-FFF2-40B4-BE49-F238E27FC236}">
-                <a16:creationId xmlns:a16="http://schemas.microsoft.com/office/drawing/2014/main" id="{3167FCB1-CA12-40C6-96FF-47F2A2BB968F}"/>
-              </a:ext>
-            </a:extLst>
-          </p:cNvPr>
+            <a:endParaRPr lang="en-US" dirty="0"/>
+          </a:p>
+        </p:txBody>
+      </p:sp>
+      <p:sp>
+        <p:nvSpPr>
+          <p:cNvPr id="3" name="Объект 2"/>
           <p:cNvSpPr>
             <a:spLocks noGrp="1"/>
           </p:cNvSpPr>
@@ -7157,6 +6724,13 @@
               </a:rPr>
               <a:t> инициируют запросы на услуги, предоставляемом сервером.</a:t>
             </a:r>
+            <a:endParaRPr lang="ru-RU" b="0" i="0" dirty="0">
+              <a:solidFill>
+                <a:srgbClr val="202122"/>
+              </a:solidFill>
+              <a:effectLst/>
+              <a:latin typeface="Arial" panose="020B0604020202020204" pitchFamily="34" charset="0"/>
+            </a:endParaRPr>
           </a:p>
           <a:p>
             <a:endParaRPr lang="ru-RU" dirty="0">
@@ -7176,19 +6750,13 @@
               </a:rPr>
               <a:t>Пример: браузера, мобильный банк</a:t>
             </a:r>
-            <a:endParaRPr lang="ru-BY" dirty="0"/>
-          </a:p>
-        </p:txBody>
-      </p:sp>
-      <p:sp>
-        <p:nvSpPr>
-          <p:cNvPr id="4" name="Дата 3">
-            <a:extLst>
-              <a:ext uri="{FF2B5EF4-FFF2-40B4-BE49-F238E27FC236}">
-                <a16:creationId xmlns:a16="http://schemas.microsoft.com/office/drawing/2014/main" id="{182AD6F5-591B-4185-849B-905AC158B121}"/>
-              </a:ext>
-            </a:extLst>
-          </p:cNvPr>
+            <a:endParaRPr lang="en-US" dirty="0"/>
+          </a:p>
+        </p:txBody>
+      </p:sp>
+      <p:sp>
+        <p:nvSpPr>
+          <p:cNvPr id="4" name="Дата 3"/>
           <p:cNvSpPr>
             <a:spLocks noGrp="1"/>
           </p:cNvSpPr>
@@ -7204,18 +6772,12 @@
             <a:pPr rtl="0"/>
             <a:fld id="{BE289488-0C23-4DC8-A9FA-240659547385}" type="datetime1">
               <a:rPr lang="ru-RU" smtClean="0"/>
-              <a:t>10.05.2022</a:t>
             </a:fld>
             <a:endParaRPr lang="en-US" dirty="0"/>
           </a:p>
         </p:txBody>
       </p:sp>
     </p:spTree>
-    <p:extLst>
-      <p:ext uri="{BB962C8B-B14F-4D97-AF65-F5344CB8AC3E}">
-        <p14:creationId xmlns:p14="http://schemas.microsoft.com/office/powerpoint/2010/main" val="98576687"/>
-      </p:ext>
-    </p:extLst>
   </p:cSld>
   <p:clrMapOvr>
     <a:masterClrMapping/>
@@ -7242,13 +6804,7 @@
       </p:grpSpPr>
       <p:pic>
         <p:nvPicPr>
-          <p:cNvPr id="6" name="Объект 5">
-            <a:extLst>
-              <a:ext uri="{FF2B5EF4-FFF2-40B4-BE49-F238E27FC236}">
-                <a16:creationId xmlns:a16="http://schemas.microsoft.com/office/drawing/2014/main" id="{75DE84D6-0029-4434-9CE4-821319B7D609}"/>
-              </a:ext>
-            </a:extLst>
-          </p:cNvPr>
+          <p:cNvPr id="6" name="Объект 5"/>
           <p:cNvPicPr>
             <a:picLocks noGrp="1" noChangeAspect="1"/>
           </p:cNvPicPr>
@@ -7257,7 +6813,7 @@
           </p:nvPr>
         </p:nvPicPr>
         <p:blipFill rotWithShape="1">
-          <a:blip r:embed="rId2">
+          <a:blip r:embed="rId1">
             <a:extLst>
               <a:ext uri="{28A0092B-C50C-407E-A947-70E740481C1C}">
                 <a14:useLocalDpi xmlns:a14="http://schemas.microsoft.com/office/drawing/2010/main" val="0"/>
@@ -7265,19 +6821,15 @@
             </a:extLst>
           </a:blip>
           <a:srcRect t="18377" b="18377"/>
-          <a:stretch/>
+          <a:stretch>
+            <a:fillRect/>
+          </a:stretch>
         </p:blipFill>
         <p:spPr/>
       </p:pic>
       <p:sp>
         <p:nvSpPr>
-          <p:cNvPr id="2" name="Заголовок 1">
-            <a:extLst>
-              <a:ext uri="{FF2B5EF4-FFF2-40B4-BE49-F238E27FC236}">
-                <a16:creationId xmlns:a16="http://schemas.microsoft.com/office/drawing/2014/main" id="{55446C81-EAC0-47EC-BB4D-C534D36265A6}"/>
-              </a:ext>
-            </a:extLst>
-          </p:cNvPr>
+          <p:cNvPr id="2" name="Заголовок 1"/>
           <p:cNvSpPr>
             <a:spLocks noGrp="1"/>
           </p:cNvSpPr>
@@ -7294,19 +6846,13 @@
               <a:rPr lang="ru-RU" dirty="0"/>
               <a:t>Виды клиент-серверной архитектуры</a:t>
             </a:r>
-            <a:endParaRPr lang="ru-BY" dirty="0"/>
-          </a:p>
-        </p:txBody>
-      </p:sp>
-      <p:sp>
-        <p:nvSpPr>
-          <p:cNvPr id="7" name="Текст 6">
-            <a:extLst>
-              <a:ext uri="{FF2B5EF4-FFF2-40B4-BE49-F238E27FC236}">
-                <a16:creationId xmlns:a16="http://schemas.microsoft.com/office/drawing/2014/main" id="{04EE70FC-035F-44BD-B232-3E461F307FFE}"/>
-              </a:ext>
-            </a:extLst>
-          </p:cNvPr>
+            <a:endParaRPr lang="en-US" dirty="0"/>
+          </a:p>
+        </p:txBody>
+      </p:sp>
+      <p:sp>
+        <p:nvSpPr>
+          <p:cNvPr id="7" name="Текст 6"/>
           <p:cNvSpPr>
             <a:spLocks noGrp="1"/>
           </p:cNvSpPr>
@@ -7323,19 +6869,13 @@
               <a:rPr lang="ru-RU" dirty="0"/>
               <a:t>Двухзвенная структура</a:t>
             </a:r>
-            <a:endParaRPr lang="ru-BY" dirty="0"/>
-          </a:p>
-        </p:txBody>
-      </p:sp>
-      <p:sp>
-        <p:nvSpPr>
-          <p:cNvPr id="4" name="Дата 3">
-            <a:extLst>
-              <a:ext uri="{FF2B5EF4-FFF2-40B4-BE49-F238E27FC236}">
-                <a16:creationId xmlns:a16="http://schemas.microsoft.com/office/drawing/2014/main" id="{E94FB59F-8194-44AE-B03D-24A902176DF7}"/>
-              </a:ext>
-            </a:extLst>
-          </p:cNvPr>
+            <a:endParaRPr lang="en-US" dirty="0"/>
+          </a:p>
+        </p:txBody>
+      </p:sp>
+      <p:sp>
+        <p:nvSpPr>
+          <p:cNvPr id="4" name="Дата 3"/>
           <p:cNvSpPr>
             <a:spLocks noGrp="1"/>
           </p:cNvSpPr>
@@ -7351,18 +6891,12 @@
             <a:pPr rtl="0"/>
             <a:fld id="{BE289488-0C23-4DC8-A9FA-240659547385}" type="datetime1">
               <a:rPr lang="ru-RU" smtClean="0"/>
-              <a:t>10.05.2022</a:t>
             </a:fld>
             <a:endParaRPr lang="en-US" dirty="0"/>
           </a:p>
         </p:txBody>
       </p:sp>
     </p:spTree>
-    <p:extLst>
-      <p:ext uri="{BB962C8B-B14F-4D97-AF65-F5344CB8AC3E}">
-        <p14:creationId xmlns:p14="http://schemas.microsoft.com/office/powerpoint/2010/main" val="3594298804"/>
-      </p:ext>
-    </p:extLst>
   </p:cSld>
   <p:clrMapOvr>
     <a:masterClrMapping/>
@@ -7389,13 +6923,7 @@
       </p:grpSpPr>
       <p:pic>
         <p:nvPicPr>
-          <p:cNvPr id="6" name="Объект 5">
-            <a:extLst>
-              <a:ext uri="{FF2B5EF4-FFF2-40B4-BE49-F238E27FC236}">
-                <a16:creationId xmlns:a16="http://schemas.microsoft.com/office/drawing/2014/main" id="{4632A284-8BD1-4247-A6BF-EB51F55F99EF}"/>
-              </a:ext>
-            </a:extLst>
-          </p:cNvPr>
+          <p:cNvPr id="6" name="Объект 5"/>
           <p:cNvPicPr>
             <a:picLocks noGrp="1" noChangeAspect="1"/>
           </p:cNvPicPr>
@@ -7404,7 +6932,7 @@
           </p:nvPr>
         </p:nvPicPr>
         <p:blipFill rotWithShape="1">
-          <a:blip r:embed="rId2">
+          <a:blip r:embed="rId1">
             <a:extLst>
               <a:ext uri="{28A0092B-C50C-407E-A947-70E740481C1C}">
                 <a14:useLocalDpi xmlns:a14="http://schemas.microsoft.com/office/drawing/2010/main" val="0"/>
@@ -7412,7 +6940,9 @@
             </a:extLst>
           </a:blip>
           <a:srcRect t="17766" b="17766"/>
-          <a:stretch/>
+          <a:stretch>
+            <a:fillRect/>
+          </a:stretch>
         </p:blipFill>
         <p:spPr>
           <a:xfrm>
@@ -7423,13 +6953,7 @@
       </p:pic>
       <p:sp>
         <p:nvSpPr>
-          <p:cNvPr id="2" name="Заголовок 1">
-            <a:extLst>
-              <a:ext uri="{FF2B5EF4-FFF2-40B4-BE49-F238E27FC236}">
-                <a16:creationId xmlns:a16="http://schemas.microsoft.com/office/drawing/2014/main" id="{592AF1BB-1856-48AF-97CD-4FA3117B32A9}"/>
-              </a:ext>
-            </a:extLst>
-          </p:cNvPr>
+          <p:cNvPr id="2" name="Заголовок 1"/>
           <p:cNvSpPr>
             <a:spLocks noGrp="1"/>
           </p:cNvSpPr>
@@ -7446,19 +6970,13 @@
               <a:rPr lang="ru-RU" dirty="0"/>
               <a:t>Виды клиент-серверной архитектуры</a:t>
             </a:r>
-            <a:endParaRPr lang="ru-BY" dirty="0"/>
-          </a:p>
-        </p:txBody>
-      </p:sp>
-      <p:sp>
-        <p:nvSpPr>
-          <p:cNvPr id="7" name="Текст 6">
-            <a:extLst>
-              <a:ext uri="{FF2B5EF4-FFF2-40B4-BE49-F238E27FC236}">
-                <a16:creationId xmlns:a16="http://schemas.microsoft.com/office/drawing/2014/main" id="{BD340948-6C18-471B-B017-1D62F794CFE9}"/>
-              </a:ext>
-            </a:extLst>
-          </p:cNvPr>
+            <a:endParaRPr lang="en-US" dirty="0"/>
+          </a:p>
+        </p:txBody>
+      </p:sp>
+      <p:sp>
+        <p:nvSpPr>
+          <p:cNvPr id="7" name="Текст 6"/>
           <p:cNvSpPr>
             <a:spLocks noGrp="1"/>
           </p:cNvSpPr>
@@ -7475,19 +6993,13 @@
               <a:rPr lang="ru-RU" dirty="0"/>
               <a:t>Трехзвенная структура. База-данных вынесена отдельно.</a:t>
             </a:r>
-            <a:endParaRPr lang="ru-BY" dirty="0"/>
-          </a:p>
-        </p:txBody>
-      </p:sp>
-      <p:sp>
-        <p:nvSpPr>
-          <p:cNvPr id="4" name="Дата 3">
-            <a:extLst>
-              <a:ext uri="{FF2B5EF4-FFF2-40B4-BE49-F238E27FC236}">
-                <a16:creationId xmlns:a16="http://schemas.microsoft.com/office/drawing/2014/main" id="{4F0B4BEA-132B-4A5F-8C16-CBFFC4654359}"/>
-              </a:ext>
-            </a:extLst>
-          </p:cNvPr>
+            <a:endParaRPr lang="en-US" dirty="0"/>
+          </a:p>
+        </p:txBody>
+      </p:sp>
+      <p:sp>
+        <p:nvSpPr>
+          <p:cNvPr id="4" name="Дата 3"/>
           <p:cNvSpPr>
             <a:spLocks noGrp="1"/>
           </p:cNvSpPr>
@@ -7503,18 +7015,12 @@
             <a:pPr rtl="0"/>
             <a:fld id="{BE289488-0C23-4DC8-A9FA-240659547385}" type="datetime1">
               <a:rPr lang="ru-RU" smtClean="0"/>
-              <a:t>10.05.2022</a:t>
             </a:fld>
             <a:endParaRPr lang="en-US" dirty="0"/>
           </a:p>
         </p:txBody>
       </p:sp>
     </p:spTree>
-    <p:extLst>
-      <p:ext uri="{BB962C8B-B14F-4D97-AF65-F5344CB8AC3E}">
-        <p14:creationId xmlns:p14="http://schemas.microsoft.com/office/powerpoint/2010/main" val="4271946618"/>
-      </p:ext>
-    </p:extLst>
   </p:cSld>
   <p:clrMapOvr>
     <a:masterClrMapping/>
@@ -7541,13 +7047,7 @@
       </p:grpSpPr>
       <p:sp>
         <p:nvSpPr>
-          <p:cNvPr id="2" name="Заголовок 1">
-            <a:extLst>
-              <a:ext uri="{FF2B5EF4-FFF2-40B4-BE49-F238E27FC236}">
-                <a16:creationId xmlns:a16="http://schemas.microsoft.com/office/drawing/2014/main" id="{592AF1BB-1856-48AF-97CD-4FA3117B32A9}"/>
-              </a:ext>
-            </a:extLst>
-          </p:cNvPr>
+          <p:cNvPr id="2" name="Заголовок 1"/>
           <p:cNvSpPr>
             <a:spLocks noGrp="1"/>
           </p:cNvSpPr>
@@ -7564,19 +7064,13 @@
               <a:rPr lang="ru-RU" dirty="0"/>
               <a:t>Виды клиент-серверной архитектуры</a:t>
             </a:r>
-            <a:endParaRPr lang="ru-BY" dirty="0"/>
-          </a:p>
-        </p:txBody>
-      </p:sp>
-      <p:sp>
-        <p:nvSpPr>
-          <p:cNvPr id="7" name="Текст 6">
-            <a:extLst>
-              <a:ext uri="{FF2B5EF4-FFF2-40B4-BE49-F238E27FC236}">
-                <a16:creationId xmlns:a16="http://schemas.microsoft.com/office/drawing/2014/main" id="{BD340948-6C18-471B-B017-1D62F794CFE9}"/>
-              </a:ext>
-            </a:extLst>
-          </p:cNvPr>
+            <a:endParaRPr lang="en-US" dirty="0"/>
+          </a:p>
+        </p:txBody>
+      </p:sp>
+      <p:sp>
+        <p:nvSpPr>
+          <p:cNvPr id="7" name="Текст 6"/>
           <p:cNvSpPr>
             <a:spLocks noGrp="1"/>
           </p:cNvSpPr>
@@ -7593,19 +7087,13 @@
               <a:rPr lang="ru-RU" dirty="0"/>
               <a:t>Для решения опросов высоконагруженных приложений используются кластеры из серверов и БД, нагрузка между которыми распределяется с помощью балансировщиков.</a:t>
             </a:r>
-            <a:endParaRPr lang="ru-BY" dirty="0"/>
-          </a:p>
-        </p:txBody>
-      </p:sp>
-      <p:sp>
-        <p:nvSpPr>
-          <p:cNvPr id="4" name="Дата 3">
-            <a:extLst>
-              <a:ext uri="{FF2B5EF4-FFF2-40B4-BE49-F238E27FC236}">
-                <a16:creationId xmlns:a16="http://schemas.microsoft.com/office/drawing/2014/main" id="{4F0B4BEA-132B-4A5F-8C16-CBFFC4654359}"/>
-              </a:ext>
-            </a:extLst>
-          </p:cNvPr>
+            <a:endParaRPr lang="en-US" dirty="0"/>
+          </a:p>
+        </p:txBody>
+      </p:sp>
+      <p:sp>
+        <p:nvSpPr>
+          <p:cNvPr id="4" name="Дата 3"/>
           <p:cNvSpPr>
             <a:spLocks noGrp="1"/>
           </p:cNvSpPr>
@@ -7621,7 +7109,6 @@
             <a:pPr rtl="0"/>
             <a:fld id="{BE289488-0C23-4DC8-A9FA-240659547385}" type="datetime1">
               <a:rPr lang="ru-RU" smtClean="0"/>
-              <a:t>10.05.2022</a:t>
             </a:fld>
             <a:endParaRPr lang="en-US" dirty="0"/>
           </a:p>
@@ -7629,13 +7116,7 @@
       </p:sp>
       <p:pic>
         <p:nvPicPr>
-          <p:cNvPr id="9" name="Рисунок 8">
-            <a:extLst>
-              <a:ext uri="{FF2B5EF4-FFF2-40B4-BE49-F238E27FC236}">
-                <a16:creationId xmlns:a16="http://schemas.microsoft.com/office/drawing/2014/main" id="{0FA087BB-6B3A-49B4-A57C-12C8DC795F99}"/>
-              </a:ext>
-            </a:extLst>
-          </p:cNvPr>
+          <p:cNvPr id="9" name="Рисунок 8"/>
           <p:cNvPicPr>
             <a:picLocks noGrp="1" noChangeAspect="1"/>
           </p:cNvPicPr>
@@ -7644,7 +7125,7 @@
           </p:nvPr>
         </p:nvPicPr>
         <p:blipFill>
-          <a:blip r:embed="rId2">
+          <a:blip r:embed="rId1">
             <a:extLst>
               <a:ext uri="{28A0092B-C50C-407E-A947-70E740481C1C}">
                 <a14:useLocalDpi xmlns:a14="http://schemas.microsoft.com/office/drawing/2010/main" val="0"/>
@@ -7664,11 +7145,6 @@
         </p:spPr>
       </p:pic>
     </p:spTree>
-    <p:extLst>
-      <p:ext uri="{BB962C8B-B14F-4D97-AF65-F5344CB8AC3E}">
-        <p14:creationId xmlns:p14="http://schemas.microsoft.com/office/powerpoint/2010/main" val="645058763"/>
-      </p:ext>
-    </p:extLst>
   </p:cSld>
   <p:clrMapOvr>
     <a:masterClrMapping/>
@@ -7695,13 +7171,7 @@
       </p:grpSpPr>
       <p:sp>
         <p:nvSpPr>
-          <p:cNvPr id="2" name="Заголовок 1">
-            <a:extLst>
-              <a:ext uri="{FF2B5EF4-FFF2-40B4-BE49-F238E27FC236}">
-                <a16:creationId xmlns:a16="http://schemas.microsoft.com/office/drawing/2014/main" id="{A06C6118-A22D-4272-9FCB-7AA193AD1BD5}"/>
-              </a:ext>
-            </a:extLst>
-          </p:cNvPr>
+          <p:cNvPr id="2" name="Заголовок 1"/>
           <p:cNvSpPr>
             <a:spLocks noGrp="1"/>
           </p:cNvSpPr>
@@ -7720,19 +7190,13 @@
               <a:rPr lang="ru-RU" dirty="0"/>
               <a:t>Концепции постройки клиент-серверной системы</a:t>
             </a:r>
-            <a:endParaRPr lang="ru-BY" dirty="0"/>
-          </a:p>
-        </p:txBody>
-      </p:sp>
-      <p:sp>
-        <p:nvSpPr>
-          <p:cNvPr id="3" name="Объект 2">
-            <a:extLst>
-              <a:ext uri="{FF2B5EF4-FFF2-40B4-BE49-F238E27FC236}">
-                <a16:creationId xmlns:a16="http://schemas.microsoft.com/office/drawing/2014/main" id="{653033B7-48CF-45F7-A68F-59DA08A56F13}"/>
-              </a:ext>
-            </a:extLst>
-          </p:cNvPr>
+            <a:endParaRPr lang="en-US" dirty="0"/>
+          </a:p>
+        </p:txBody>
+      </p:sp>
+      <p:sp>
+        <p:nvSpPr>
+          <p:cNvPr id="3" name="Объект 2"/>
           <p:cNvSpPr>
             <a:spLocks noGrp="1"/>
           </p:cNvSpPr>
@@ -7777,6 +7241,13 @@
               </a:rPr>
               <a:t>При такой модели весь процесс обработки информации перенесен на мощности сервера, а у пользователя права доступа очень строго ограничены. Сервер начинает отправлять ответ, который вообще не требует дополнительной работы по обработке. Клиент взаимодействует с пользователем: создает и отправляет запрос, принимает входящие итоги и выводит данные на экран пользователя.</a:t>
             </a:r>
+            <a:endParaRPr lang="ru-RU" b="0" i="0" dirty="0">
+              <a:solidFill>
+                <a:srgbClr val="000000"/>
+              </a:solidFill>
+              <a:effectLst/>
+              <a:latin typeface="Lato" panose="020F0502020204030203" pitchFamily="34" charset="0"/>
+            </a:endParaRPr>
           </a:p>
           <a:p>
             <a:pPr algn="l" fontAlgn="base"/>
@@ -7809,6 +7280,13 @@
               </a:rPr>
               <a:t>Концепция, при которой большая часть обработки данных предоставляет клиенту. </a:t>
             </a:r>
+            <a:endParaRPr lang="ru-RU" b="0" i="0" dirty="0">
+              <a:solidFill>
+                <a:srgbClr val="000000"/>
+              </a:solidFill>
+              <a:effectLst/>
+              <a:latin typeface="Lato" panose="020F0502020204030203" pitchFamily="34" charset="0"/>
+            </a:endParaRPr>
           </a:p>
           <a:p>
             <a:pPr algn="l" fontAlgn="base"/>
@@ -7841,18 +7319,19 @@
               </a:rPr>
               <a:t>При такой ситуации сервер выступает особым хранилищем информации, а вся деятельность по обработке и предоставлению данных может переноситься на ПК пользователя</a:t>
             </a:r>
-          </a:p>
-        </p:txBody>
-      </p:sp>
-      <p:sp>
-        <p:nvSpPr>
-          <p:cNvPr id="4" name="Дата 3">
-            <a:extLst>
-              <a:ext uri="{FF2B5EF4-FFF2-40B4-BE49-F238E27FC236}">
-                <a16:creationId xmlns:a16="http://schemas.microsoft.com/office/drawing/2014/main" id="{BC4E72DD-002F-4E24-B813-7E9D032D412C}"/>
-              </a:ext>
-            </a:extLst>
-          </p:cNvPr>
+            <a:endParaRPr lang="ru-RU" b="0" i="0" dirty="0">
+              <a:solidFill>
+                <a:srgbClr val="000000"/>
+              </a:solidFill>
+              <a:effectLst/>
+              <a:latin typeface="Lato" panose="020F0502020204030203" pitchFamily="34" charset="0"/>
+            </a:endParaRPr>
+          </a:p>
+        </p:txBody>
+      </p:sp>
+      <p:sp>
+        <p:nvSpPr>
+          <p:cNvPr id="4" name="Дата 3"/>
           <p:cNvSpPr>
             <a:spLocks noGrp="1"/>
           </p:cNvSpPr>
@@ -7868,18 +7347,12 @@
             <a:pPr rtl="0"/>
             <a:fld id="{BE289488-0C23-4DC8-A9FA-240659547385}" type="datetime1">
               <a:rPr lang="ru-RU" smtClean="0"/>
-              <a:t>10.05.2022</a:t>
             </a:fld>
             <a:endParaRPr lang="en-US" dirty="0"/>
           </a:p>
         </p:txBody>
       </p:sp>
     </p:spTree>
-    <p:extLst>
-      <p:ext uri="{BB962C8B-B14F-4D97-AF65-F5344CB8AC3E}">
-        <p14:creationId xmlns:p14="http://schemas.microsoft.com/office/powerpoint/2010/main" val="448147062"/>
-      </p:ext>
-    </p:extLst>
   </p:cSld>
   <p:clrMapOvr>
     <a:masterClrMapping/>
@@ -7906,13 +7379,7 @@
       </p:grpSpPr>
       <p:sp>
         <p:nvSpPr>
-          <p:cNvPr id="2" name="Заголовок 1">
-            <a:extLst>
-              <a:ext uri="{FF2B5EF4-FFF2-40B4-BE49-F238E27FC236}">
-                <a16:creationId xmlns:a16="http://schemas.microsoft.com/office/drawing/2014/main" id="{124E357E-DDB0-4469-9C56-80A8570C8D0A}"/>
-              </a:ext>
-            </a:extLst>
-          </p:cNvPr>
+          <p:cNvPr id="2" name="Заголовок 1"/>
           <p:cNvSpPr>
             <a:spLocks noGrp="1"/>
           </p:cNvSpPr>
@@ -7929,19 +7396,13 @@
               <a:rPr lang="ru-RU" dirty="0"/>
               <a:t>Как взаимодействуют клиент и сервер?</a:t>
             </a:r>
-            <a:endParaRPr lang="ru-BY" dirty="0"/>
-          </a:p>
-        </p:txBody>
-      </p:sp>
-      <p:sp>
-        <p:nvSpPr>
-          <p:cNvPr id="3" name="Объект 2">
-            <a:extLst>
-              <a:ext uri="{FF2B5EF4-FFF2-40B4-BE49-F238E27FC236}">
-                <a16:creationId xmlns:a16="http://schemas.microsoft.com/office/drawing/2014/main" id="{09A04EB8-41D2-4C6B-8C27-266DE8FF3E90}"/>
-              </a:ext>
-            </a:extLst>
-          </p:cNvPr>
+            <a:endParaRPr lang="en-US" dirty="0"/>
+          </a:p>
+        </p:txBody>
+      </p:sp>
+      <p:sp>
+        <p:nvSpPr>
+          <p:cNvPr id="3" name="Объект 2"/>
           <p:cNvSpPr>
             <a:spLocks noGrp="1"/>
           </p:cNvSpPr>
@@ -7966,6 +7427,7 @@
               <a:rPr lang="ru-RU" b="1" dirty="0"/>
               <a:t> в рамках сетевых протоколов</a:t>
             </a:r>
+            <a:endParaRPr lang="ru-RU" b="1" dirty="0"/>
           </a:p>
           <a:p>
             <a:r>
@@ -7996,6 +7458,7 @@
               <a:rPr lang="ru-RU" b="1" u="sng" dirty="0"/>
               <a:t>внутри протокола.</a:t>
             </a:r>
+            <a:endParaRPr lang="ru-RU" b="1" u="sng" dirty="0"/>
           </a:p>
           <a:p>
             <a:r>
@@ -8006,19 +7469,13 @@
               <a:rPr lang="ru-RU" dirty="0"/>
               <a:t>– это особый набор правил, на основании которого выполняется точное взаимодействие между компьютерами внутри виртуальной сети.</a:t>
             </a:r>
-            <a:endParaRPr lang="ru-BY" dirty="0"/>
-          </a:p>
-        </p:txBody>
-      </p:sp>
-      <p:sp>
-        <p:nvSpPr>
-          <p:cNvPr id="4" name="Дата 3">
-            <a:extLst>
-              <a:ext uri="{FF2B5EF4-FFF2-40B4-BE49-F238E27FC236}">
-                <a16:creationId xmlns:a16="http://schemas.microsoft.com/office/drawing/2014/main" id="{2BD661D4-2A44-4519-AFB0-567781293558}"/>
-              </a:ext>
-            </a:extLst>
-          </p:cNvPr>
+            <a:endParaRPr lang="en-US" dirty="0"/>
+          </a:p>
+        </p:txBody>
+      </p:sp>
+      <p:sp>
+        <p:nvSpPr>
+          <p:cNvPr id="4" name="Дата 3"/>
           <p:cNvSpPr>
             <a:spLocks noGrp="1"/>
           </p:cNvSpPr>
@@ -8034,18 +7491,12 @@
             <a:pPr rtl="0"/>
             <a:fld id="{BE289488-0C23-4DC8-A9FA-240659547385}" type="datetime1">
               <a:rPr lang="ru-RU" smtClean="0"/>
-              <a:t>10.05.2022</a:t>
             </a:fld>
             <a:endParaRPr lang="en-US" dirty="0"/>
           </a:p>
         </p:txBody>
       </p:sp>
     </p:spTree>
-    <p:extLst>
-      <p:ext uri="{BB962C8B-B14F-4D97-AF65-F5344CB8AC3E}">
-        <p14:creationId xmlns:p14="http://schemas.microsoft.com/office/powerpoint/2010/main" val="420870710"/>
-      </p:ext>
-    </p:extLst>
   </p:cSld>
   <p:clrMapOvr>
     <a:masterClrMapping/>
@@ -8096,7 +7547,7 @@
     </a:clrScheme>
     <a:fontScheme name="Retrospect">
       <a:majorFont>
-        <a:latin typeface="Bookman Old Style" panose="020F0302020204030204"/>
+        <a:latin typeface="Bookman Old Style"/>
         <a:ea typeface=""/>
         <a:cs typeface=""/>
         <a:font script="Jpan" typeface="ＭＳ Ｐゴシック"/>
@@ -8131,7 +7582,7 @@
         <a:font script="Geor" typeface="Sylfaen"/>
       </a:majorFont>
       <a:minorFont>
-        <a:latin typeface="Franklin Gothic Book" panose="020F0502020204030204"/>
+        <a:latin typeface="Franklin Gothic Book"/>
         <a:ea typeface=""/>
         <a:cs typeface=""/>
         <a:font script="Jpan" typeface="ＭＳ Ｐゴシック"/>
@@ -8326,11 +7777,9 @@
       </a:bgFillStyleLst>
     </a:fmtScheme>
   </a:themeElements>
-  <a:objectDefaults/>
-  <a:extraClrSchemeLst/>
   <a:extLst>
     <a:ext uri="{05A4C25C-085E-4340-85A3-A5531E510DB2}">
-      <thm15:themeFamily xmlns:thm15="http://schemas.microsoft.com/office/thememl/2012/main" name="Office_41798995_TF56160789" id="{E9416FAF-F856-40AC-9675-C9B0760B1290}" vid="{1EEFFE07-2D5A-4CA5-A479-4D088CDD8AD4}"/>
+      <thm15:themeFamily xmlns:thm15="http://schemas.microsoft.com/office/thememl/2012/main" name="Office Theme" id="{62F939B6-93AF-4DB8-9C6B-D6C7DFDC589F}" vid="{4A3C46E8-61CC-4603-A589-7422A47A8E4A}"/>
     </a:ext>
   </a:extLst>
 </a:theme>
@@ -8379,7 +7828,7 @@
     </a:clrScheme>
     <a:fontScheme name="Office">
       <a:majorFont>
-        <a:latin typeface="Calibri Light" panose="020F0302020204030204"/>
+        <a:latin typeface="Calibri Light"/>
         <a:ea typeface=""/>
         <a:cs typeface=""/>
         <a:font script="Jpan" typeface="游ゴシック Light"/>
@@ -8414,7 +7863,7 @@
         <a:font script="Geor" typeface="Sylfaen"/>
       </a:majorFont>
       <a:minorFont>
-        <a:latin typeface="Calibri" panose="020F0502020204030204"/>
+        <a:latin typeface="Calibri"/>
         <a:ea typeface=""/>
         <a:cs typeface=""/>
         <a:font script="Jpan" typeface="游ゴシック"/>
@@ -8587,8 +8036,6 @@
       </a:bgFillStyleLst>
     </a:fmtScheme>
   </a:themeElements>
-  <a:objectDefaults/>
-  <a:extraClrSchemeLst/>
   <a:extLst>
     <a:ext uri="{05A4C25C-085E-4340-85A3-A5531E510DB2}">
       <thm15:themeFamily xmlns:thm15="http://schemas.microsoft.com/office/thememl/2012/main" name="Office Theme" id="{62F939B6-93AF-4DB8-9C6B-D6C7DFDC589F}" vid="{4A3C46E8-61CC-4603-A589-7422A47A8E4A}"/>
@@ -8640,7 +8087,7 @@
     </a:clrScheme>
     <a:fontScheme name="Office">
       <a:majorFont>
-        <a:latin typeface="Calibri Light" panose="020F0302020204030204"/>
+        <a:latin typeface="Calibri Light"/>
         <a:ea typeface=""/>
         <a:cs typeface=""/>
         <a:font script="Jpan" typeface="游ゴシック Light"/>
@@ -8675,7 +8122,7 @@
         <a:font script="Geor" typeface="Sylfaen"/>
       </a:majorFont>
       <a:minorFont>
-        <a:latin typeface="Calibri" panose="020F0502020204030204"/>
+        <a:latin typeface="Calibri"/>
         <a:ea typeface=""/>
         <a:cs typeface=""/>
         <a:font script="Jpan" typeface="游ゴシック"/>
@@ -8848,8 +8295,6 @@
       </a:bgFillStyleLst>
     </a:fmtScheme>
   </a:themeElements>
-  <a:objectDefaults/>
-  <a:extraClrSchemeLst/>
   <a:extLst>
     <a:ext uri="{05A4C25C-085E-4340-85A3-A5531E510DB2}">
       <thm15:themeFamily xmlns:thm15="http://schemas.microsoft.com/office/thememl/2012/main" name="Office Theme" id="{62F939B6-93AF-4DB8-9C6B-D6C7DFDC589F}" vid="{4A3C46E8-61CC-4603-A589-7422A47A8E4A}"/>
